--- a/Тексты/Презентация.pptx
+++ b/Тексты/Презентация.pptx
@@ -15,11 +15,14 @@
     <p:sldId id="264" r:id="rId9"/>
     <p:sldId id="265" r:id="rId10"/>
     <p:sldId id="266" r:id="rId11"/>
-    <p:sldId id="267" r:id="rId12"/>
-    <p:sldId id="268" r:id="rId13"/>
-    <p:sldId id="269" r:id="rId14"/>
-    <p:sldId id="270" r:id="rId15"/>
-    <p:sldId id="271" r:id="rId16"/>
+    <p:sldId id="272" r:id="rId12"/>
+    <p:sldId id="267" r:id="rId13"/>
+    <p:sldId id="268" r:id="rId14"/>
+    <p:sldId id="269" r:id="rId15"/>
+    <p:sldId id="270" r:id="rId16"/>
+    <p:sldId id="273" r:id="rId17"/>
+    <p:sldId id="274" r:id="rId18"/>
+    <p:sldId id="271" r:id="rId19"/>
   </p:sldIdLst>
   <p:sldSz cx="9144000" cy="6858000" type="screen4x3"/>
   <p:notesSz cx="6858000" cy="9144000"/>
@@ -133,10 +136,13 @@
             <p14:sldId id="264"/>
             <p14:sldId id="265"/>
             <p14:sldId id="266"/>
+            <p14:sldId id="272"/>
             <p14:sldId id="267"/>
             <p14:sldId id="268"/>
             <p14:sldId id="269"/>
             <p14:sldId id="270"/>
+            <p14:sldId id="273"/>
+            <p14:sldId id="274"/>
             <p14:sldId id="271"/>
           </p14:sldIdLst>
         </p14:section>
@@ -3863,7 +3869,7 @@
         </p:nvSpPr>
         <p:spPr>
           <a:xfrm>
-            <a:off x="947613" y="108427"/>
+            <a:off x="947613" y="15294"/>
             <a:ext cx="7543800" cy="1245274"/>
           </a:xfrm>
         </p:spPr>
@@ -3881,6 +3887,957 @@
             <a:r>
               <a:rPr lang="ru-RU" sz="4000" dirty="0" smtClean="0"/>
               <a:t>прошивки МК</a:t>
+            </a:r>
+            <a:endParaRPr lang="ru-RU" dirty="0"/>
+          </a:p>
+        </p:txBody>
+      </p:sp>
+      <p:sp>
+        <p:nvSpPr>
+          <p:cNvPr id="2" name="Процесс 1"/>
+          <p:cNvSpPr/>
+          <p:nvPr/>
+        </p:nvSpPr>
+        <p:spPr>
+          <a:xfrm>
+            <a:off x="3505199" y="1430866"/>
+            <a:ext cx="1896534" cy="897467"/>
+          </a:xfrm>
+          <a:prstGeom prst="flowChartProcess">
+            <a:avLst/>
+          </a:prstGeom>
+        </p:spPr>
+        <p:style>
+          <a:lnRef idx="1">
+            <a:schemeClr val="accent1"/>
+          </a:lnRef>
+          <a:fillRef idx="3">
+            <a:schemeClr val="accent1"/>
+          </a:fillRef>
+          <a:effectRef idx="2">
+            <a:schemeClr val="accent1"/>
+          </a:effectRef>
+          <a:fontRef idx="minor">
+            <a:schemeClr val="lt1"/>
+          </a:fontRef>
+        </p:style>
+        <p:txBody>
+          <a:bodyPr rtlCol="0" anchor="ctr"/>
+          <a:lstStyle/>
+          <a:p>
+            <a:pPr algn="ctr"/>
+            <a:r>
+              <a:rPr lang="en-US" dirty="0" smtClean="0"/>
+              <a:t>ADC(1..4)=0</a:t>
+            </a:r>
+          </a:p>
+          <a:p>
+            <a:pPr algn="ctr"/>
+            <a:r>
+              <a:rPr lang="en-US" dirty="0" err="1" smtClean="0"/>
+              <a:t>Dcode</a:t>
+            </a:r>
+            <a:r>
+              <a:rPr lang="en-US" dirty="0" smtClean="0"/>
+              <a:t>(1..2)=0</a:t>
+            </a:r>
+          </a:p>
+          <a:p>
+            <a:pPr algn="ctr"/>
+            <a:r>
+              <a:rPr lang="en-US" dirty="0" smtClean="0"/>
+              <a:t>Code=0</a:t>
+            </a:r>
+            <a:endParaRPr lang="ru-RU" dirty="0"/>
+          </a:p>
+        </p:txBody>
+      </p:sp>
+      <p:sp>
+        <p:nvSpPr>
+          <p:cNvPr id="4" name="Процесс 3"/>
+          <p:cNvSpPr/>
+          <p:nvPr/>
+        </p:nvSpPr>
+        <p:spPr>
+          <a:xfrm>
+            <a:off x="3784599" y="2748619"/>
+            <a:ext cx="1346200" cy="612648"/>
+          </a:xfrm>
+          <a:prstGeom prst="flowChartProcess">
+            <a:avLst/>
+          </a:prstGeom>
+        </p:spPr>
+        <p:style>
+          <a:lnRef idx="1">
+            <a:schemeClr val="accent1"/>
+          </a:lnRef>
+          <a:fillRef idx="3">
+            <a:schemeClr val="accent1"/>
+          </a:fillRef>
+          <a:effectRef idx="2">
+            <a:schemeClr val="accent1"/>
+          </a:effectRef>
+          <a:fontRef idx="minor">
+            <a:schemeClr val="lt1"/>
+          </a:fontRef>
+        </p:style>
+        <p:txBody>
+          <a:bodyPr rtlCol="0" anchor="ctr"/>
+          <a:lstStyle/>
+          <a:p>
+            <a:pPr algn="ctr"/>
+            <a:r>
+              <a:rPr lang="ru-RU" dirty="0" smtClean="0"/>
+              <a:t>Считать</a:t>
+            </a:r>
+          </a:p>
+          <a:p>
+            <a:pPr algn="ctr"/>
+            <a:r>
+              <a:rPr lang="en-US" dirty="0" smtClean="0"/>
+              <a:t>ADC(1..4)</a:t>
+            </a:r>
+            <a:endParaRPr lang="ru-RU" dirty="0"/>
+          </a:p>
+        </p:txBody>
+      </p:sp>
+      <p:sp>
+        <p:nvSpPr>
+          <p:cNvPr id="5" name="Процесс 4"/>
+          <p:cNvSpPr/>
+          <p:nvPr/>
+        </p:nvSpPr>
+        <p:spPr>
+          <a:xfrm>
+            <a:off x="2379133" y="3361267"/>
+            <a:ext cx="1126066" cy="245535"/>
+          </a:xfrm>
+          <a:prstGeom prst="flowChartProcess">
+            <a:avLst/>
+          </a:prstGeom>
+        </p:spPr>
+        <p:style>
+          <a:lnRef idx="1">
+            <a:schemeClr val="accent1"/>
+          </a:lnRef>
+          <a:fillRef idx="3">
+            <a:schemeClr val="accent1"/>
+          </a:fillRef>
+          <a:effectRef idx="2">
+            <a:schemeClr val="accent1"/>
+          </a:effectRef>
+          <a:fontRef idx="minor">
+            <a:schemeClr val="lt1"/>
+          </a:fontRef>
+        </p:style>
+        <p:txBody>
+          <a:bodyPr rtlCol="0" anchor="ctr"/>
+          <a:lstStyle/>
+          <a:p>
+            <a:pPr algn="ctr"/>
+            <a:r>
+              <a:rPr lang="en-US" dirty="0" smtClean="0"/>
+              <a:t>Code++</a:t>
+            </a:r>
+            <a:endParaRPr lang="ru-RU" dirty="0"/>
+          </a:p>
+        </p:txBody>
+      </p:sp>
+      <p:sp>
+        <p:nvSpPr>
+          <p:cNvPr id="6" name="Решение 5"/>
+          <p:cNvSpPr/>
+          <p:nvPr/>
+        </p:nvSpPr>
+        <p:spPr>
+          <a:xfrm>
+            <a:off x="3412066" y="4131733"/>
+            <a:ext cx="2091267" cy="914400"/>
+          </a:xfrm>
+          <a:prstGeom prst="flowChartDecision">
+            <a:avLst/>
+          </a:prstGeom>
+        </p:spPr>
+        <p:style>
+          <a:lnRef idx="1">
+            <a:schemeClr val="accent1"/>
+          </a:lnRef>
+          <a:fillRef idx="3">
+            <a:schemeClr val="accent1"/>
+          </a:fillRef>
+          <a:effectRef idx="2">
+            <a:schemeClr val="accent1"/>
+          </a:effectRef>
+          <a:fontRef idx="minor">
+            <a:schemeClr val="lt1"/>
+          </a:fontRef>
+        </p:style>
+        <p:txBody>
+          <a:bodyPr rtlCol="0" anchor="ctr"/>
+          <a:lstStyle/>
+          <a:p>
+            <a:pPr algn="ctr"/>
+            <a:r>
+              <a:rPr lang="ru-RU" dirty="0" smtClean="0"/>
+              <a:t>Буфер </a:t>
+            </a:r>
+            <a:r>
+              <a:rPr lang="en-US" dirty="0" smtClean="0"/>
+              <a:t>USART </a:t>
+            </a:r>
+            <a:r>
+              <a:rPr lang="ru-RU" dirty="0" smtClean="0"/>
+              <a:t>пуст?</a:t>
+            </a:r>
+            <a:endParaRPr lang="ru-RU" dirty="0"/>
+          </a:p>
+        </p:txBody>
+      </p:sp>
+      <p:sp>
+        <p:nvSpPr>
+          <p:cNvPr id="7" name="Процесс 6"/>
+          <p:cNvSpPr/>
+          <p:nvPr/>
+        </p:nvSpPr>
+        <p:spPr>
+          <a:xfrm>
+            <a:off x="2523067" y="3674534"/>
+            <a:ext cx="795866" cy="336296"/>
+          </a:xfrm>
+          <a:prstGeom prst="flowChartProcess">
+            <a:avLst/>
+          </a:prstGeom>
+        </p:spPr>
+        <p:style>
+          <a:lnRef idx="1">
+            <a:schemeClr val="accent1"/>
+          </a:lnRef>
+          <a:fillRef idx="3">
+            <a:schemeClr val="accent1"/>
+          </a:fillRef>
+          <a:effectRef idx="2">
+            <a:schemeClr val="accent1"/>
+          </a:effectRef>
+          <a:fontRef idx="minor">
+            <a:schemeClr val="lt1"/>
+          </a:fontRef>
+        </p:style>
+        <p:txBody>
+          <a:bodyPr rtlCol="0" anchor="ctr"/>
+          <a:lstStyle/>
+          <a:p>
+            <a:pPr algn="ctr"/>
+            <a:r>
+              <a:rPr lang="en-US" dirty="0" smtClean="0"/>
+              <a:t>PWM</a:t>
+            </a:r>
+            <a:endParaRPr lang="ru-RU" dirty="0"/>
+          </a:p>
+        </p:txBody>
+      </p:sp>
+      <p:sp>
+        <p:nvSpPr>
+          <p:cNvPr id="9" name="Овал 8"/>
+          <p:cNvSpPr/>
+          <p:nvPr/>
+        </p:nvSpPr>
+        <p:spPr>
+          <a:xfrm>
+            <a:off x="2641600" y="6333067"/>
+            <a:ext cx="414868" cy="397933"/>
+          </a:xfrm>
+          <a:prstGeom prst="ellipse">
+            <a:avLst/>
+          </a:prstGeom>
+        </p:spPr>
+        <p:style>
+          <a:lnRef idx="1">
+            <a:schemeClr val="accent1"/>
+          </a:lnRef>
+          <a:fillRef idx="3">
+            <a:schemeClr val="accent1"/>
+          </a:fillRef>
+          <a:effectRef idx="2">
+            <a:schemeClr val="accent1"/>
+          </a:effectRef>
+          <a:fontRef idx="minor">
+            <a:schemeClr val="lt1"/>
+          </a:fontRef>
+        </p:style>
+        <p:txBody>
+          <a:bodyPr rtlCol="0" anchor="ctr"/>
+          <a:lstStyle/>
+          <a:p>
+            <a:pPr algn="ctr"/>
+            <a:r>
+              <a:rPr lang="en-US" dirty="0" smtClean="0"/>
+              <a:t>1</a:t>
+            </a:r>
+            <a:endParaRPr lang="ru-RU" dirty="0"/>
+          </a:p>
+        </p:txBody>
+      </p:sp>
+      <p:sp>
+        <p:nvSpPr>
+          <p:cNvPr id="10" name="Овал 9"/>
+          <p:cNvSpPr/>
+          <p:nvPr/>
+        </p:nvSpPr>
+        <p:spPr>
+          <a:xfrm>
+            <a:off x="6701366" y="6333067"/>
+            <a:ext cx="414868" cy="397933"/>
+          </a:xfrm>
+          <a:prstGeom prst="ellipse">
+            <a:avLst/>
+          </a:prstGeom>
+        </p:spPr>
+        <p:style>
+          <a:lnRef idx="1">
+            <a:schemeClr val="accent1"/>
+          </a:lnRef>
+          <a:fillRef idx="3">
+            <a:schemeClr val="accent1"/>
+          </a:fillRef>
+          <a:effectRef idx="2">
+            <a:schemeClr val="accent1"/>
+          </a:effectRef>
+          <a:fontRef idx="minor">
+            <a:schemeClr val="lt1"/>
+          </a:fontRef>
+        </p:style>
+        <p:txBody>
+          <a:bodyPr rtlCol="0" anchor="ctr"/>
+          <a:lstStyle/>
+          <a:p>
+            <a:pPr algn="ctr"/>
+            <a:r>
+              <a:rPr lang="en-US" dirty="0"/>
+              <a:t>2</a:t>
+            </a:r>
+            <a:endParaRPr lang="ru-RU" dirty="0"/>
+          </a:p>
+        </p:txBody>
+      </p:sp>
+      <p:cxnSp>
+        <p:nvCxnSpPr>
+          <p:cNvPr id="12" name="Прямая со стрелкой 11"/>
+          <p:cNvCxnSpPr>
+            <a:stCxn id="2" idx="2"/>
+            <a:endCxn id="4" idx="0"/>
+          </p:cNvCxnSpPr>
+          <p:nvPr/>
+        </p:nvCxnSpPr>
+        <p:spPr>
+          <a:xfrm>
+            <a:off x="4453466" y="2328333"/>
+            <a:ext cx="4233" cy="420286"/>
+          </a:xfrm>
+          <a:prstGeom prst="straightConnector1">
+            <a:avLst/>
+          </a:prstGeom>
+          <a:ln>
+            <a:tailEnd type="arrow"/>
+          </a:ln>
+        </p:spPr>
+        <p:style>
+          <a:lnRef idx="2">
+            <a:schemeClr val="accent1"/>
+          </a:lnRef>
+          <a:fillRef idx="0">
+            <a:schemeClr val="accent1"/>
+          </a:fillRef>
+          <a:effectRef idx="1">
+            <a:schemeClr val="accent1"/>
+          </a:effectRef>
+          <a:fontRef idx="minor">
+            <a:schemeClr val="tx1"/>
+          </a:fontRef>
+        </p:style>
+      </p:cxnSp>
+      <p:cxnSp>
+        <p:nvCxnSpPr>
+          <p:cNvPr id="15" name="Прямая со стрелкой 14"/>
+          <p:cNvCxnSpPr>
+            <a:stCxn id="4" idx="2"/>
+          </p:cNvCxnSpPr>
+          <p:nvPr/>
+        </p:nvCxnSpPr>
+        <p:spPr>
+          <a:xfrm>
+            <a:off x="4457699" y="3361267"/>
+            <a:ext cx="0" cy="770466"/>
+          </a:xfrm>
+          <a:prstGeom prst="straightConnector1">
+            <a:avLst/>
+          </a:prstGeom>
+          <a:ln>
+            <a:tailEnd type="arrow"/>
+          </a:ln>
+        </p:spPr>
+        <p:style>
+          <a:lnRef idx="2">
+            <a:schemeClr val="accent1"/>
+          </a:lnRef>
+          <a:fillRef idx="0">
+            <a:schemeClr val="accent1"/>
+          </a:fillRef>
+          <a:effectRef idx="1">
+            <a:schemeClr val="accent1"/>
+          </a:effectRef>
+          <a:fontRef idx="minor">
+            <a:schemeClr val="tx1"/>
+          </a:fontRef>
+        </p:style>
+      </p:cxnSp>
+      <p:cxnSp>
+        <p:nvCxnSpPr>
+          <p:cNvPr id="17" name="Прямая со стрелкой 16"/>
+          <p:cNvCxnSpPr/>
+          <p:nvPr/>
+        </p:nvCxnSpPr>
+        <p:spPr>
+          <a:xfrm>
+            <a:off x="3505199" y="3513667"/>
+            <a:ext cx="948267" cy="0"/>
+          </a:xfrm>
+          <a:prstGeom prst="straightConnector1">
+            <a:avLst/>
+          </a:prstGeom>
+          <a:ln>
+            <a:tailEnd type="arrow"/>
+          </a:ln>
+        </p:spPr>
+        <p:style>
+          <a:lnRef idx="2">
+            <a:schemeClr val="accent1"/>
+          </a:lnRef>
+          <a:fillRef idx="0">
+            <a:schemeClr val="accent1"/>
+          </a:fillRef>
+          <a:effectRef idx="1">
+            <a:schemeClr val="accent1"/>
+          </a:effectRef>
+          <a:fontRef idx="minor">
+            <a:schemeClr val="tx1"/>
+          </a:fontRef>
+        </p:style>
+      </p:cxnSp>
+      <p:cxnSp>
+        <p:nvCxnSpPr>
+          <p:cNvPr id="20" name="Прямая со стрелкой 19"/>
+          <p:cNvCxnSpPr/>
+          <p:nvPr/>
+        </p:nvCxnSpPr>
+        <p:spPr>
+          <a:xfrm>
+            <a:off x="3310464" y="3826933"/>
+            <a:ext cx="1143002" cy="0"/>
+          </a:xfrm>
+          <a:prstGeom prst="straightConnector1">
+            <a:avLst/>
+          </a:prstGeom>
+          <a:ln>
+            <a:tailEnd type="arrow"/>
+          </a:ln>
+        </p:spPr>
+        <p:style>
+          <a:lnRef idx="2">
+            <a:schemeClr val="accent1"/>
+          </a:lnRef>
+          <a:fillRef idx="0">
+            <a:schemeClr val="accent1"/>
+          </a:fillRef>
+          <a:effectRef idx="1">
+            <a:schemeClr val="accent1"/>
+          </a:effectRef>
+          <a:fontRef idx="minor">
+            <a:schemeClr val="tx1"/>
+          </a:fontRef>
+        </p:style>
+      </p:cxnSp>
+      <p:cxnSp>
+        <p:nvCxnSpPr>
+          <p:cNvPr id="22" name="Прямая со стрелкой 21"/>
+          <p:cNvCxnSpPr/>
+          <p:nvPr/>
+        </p:nvCxnSpPr>
+        <p:spPr>
+          <a:xfrm>
+            <a:off x="1430866" y="3513667"/>
+            <a:ext cx="948267" cy="0"/>
+          </a:xfrm>
+          <a:prstGeom prst="straightConnector1">
+            <a:avLst/>
+          </a:prstGeom>
+          <a:ln>
+            <a:tailEnd type="arrow"/>
+          </a:ln>
+        </p:spPr>
+        <p:style>
+          <a:lnRef idx="2">
+            <a:schemeClr val="accent1"/>
+          </a:lnRef>
+          <a:fillRef idx="0">
+            <a:schemeClr val="accent1"/>
+          </a:fillRef>
+          <a:effectRef idx="1">
+            <a:schemeClr val="accent1"/>
+          </a:effectRef>
+          <a:fontRef idx="minor">
+            <a:schemeClr val="tx1"/>
+          </a:fontRef>
+        </p:style>
+      </p:cxnSp>
+      <p:cxnSp>
+        <p:nvCxnSpPr>
+          <p:cNvPr id="23" name="Прямая со стрелкой 22"/>
+          <p:cNvCxnSpPr/>
+          <p:nvPr/>
+        </p:nvCxnSpPr>
+        <p:spPr>
+          <a:xfrm>
+            <a:off x="1430866" y="3826933"/>
+            <a:ext cx="1092201" cy="0"/>
+          </a:xfrm>
+          <a:prstGeom prst="straightConnector1">
+            <a:avLst/>
+          </a:prstGeom>
+          <a:ln>
+            <a:tailEnd type="arrow"/>
+          </a:ln>
+        </p:spPr>
+        <p:style>
+          <a:lnRef idx="2">
+            <a:schemeClr val="accent1"/>
+          </a:lnRef>
+          <a:fillRef idx="0">
+            <a:schemeClr val="accent1"/>
+          </a:fillRef>
+          <a:effectRef idx="1">
+            <a:schemeClr val="accent1"/>
+          </a:effectRef>
+          <a:fontRef idx="minor">
+            <a:schemeClr val="tx1"/>
+          </a:fontRef>
+        </p:style>
+      </p:cxnSp>
+      <p:sp>
+        <p:nvSpPr>
+          <p:cNvPr id="24" name="TextBox 23"/>
+          <p:cNvSpPr txBox="1"/>
+          <p:nvPr/>
+        </p:nvSpPr>
+        <p:spPr>
+          <a:xfrm>
+            <a:off x="1430866" y="3032667"/>
+            <a:ext cx="587496" cy="369332"/>
+          </a:xfrm>
+          <a:prstGeom prst="rect">
+            <a:avLst/>
+          </a:prstGeom>
+          <a:noFill/>
+        </p:spPr>
+        <p:txBody>
+          <a:bodyPr wrap="none" rtlCol="0">
+            <a:spAutoFit/>
+          </a:bodyPr>
+          <a:lstStyle/>
+          <a:p>
+            <a:r>
+              <a:rPr lang="en-US" dirty="0" smtClean="0"/>
+              <a:t>Int0</a:t>
+            </a:r>
+            <a:endParaRPr lang="ru-RU" dirty="0"/>
+          </a:p>
+        </p:txBody>
+      </p:sp>
+      <p:sp>
+        <p:nvSpPr>
+          <p:cNvPr id="25" name="TextBox 24"/>
+          <p:cNvSpPr txBox="1"/>
+          <p:nvPr/>
+        </p:nvSpPr>
+        <p:spPr>
+          <a:xfrm>
+            <a:off x="1261534" y="3826933"/>
+            <a:ext cx="960569" cy="369332"/>
+          </a:xfrm>
+          <a:prstGeom prst="rect">
+            <a:avLst/>
+          </a:prstGeom>
+          <a:noFill/>
+        </p:spPr>
+        <p:txBody>
+          <a:bodyPr wrap="none" rtlCol="0">
+            <a:spAutoFit/>
+          </a:bodyPr>
+          <a:lstStyle/>
+          <a:p>
+            <a:r>
+              <a:rPr lang="en-US" dirty="0" smtClean="0"/>
+              <a:t>USART</a:t>
+            </a:r>
+            <a:endParaRPr lang="ru-RU" dirty="0"/>
+          </a:p>
+        </p:txBody>
+      </p:sp>
+      <p:cxnSp>
+        <p:nvCxnSpPr>
+          <p:cNvPr id="28" name="Прямая со стрелкой 27"/>
+          <p:cNvCxnSpPr/>
+          <p:nvPr/>
+        </p:nvCxnSpPr>
+        <p:spPr>
+          <a:xfrm>
+            <a:off x="2849034" y="4614333"/>
+            <a:ext cx="0" cy="641943"/>
+          </a:xfrm>
+          <a:prstGeom prst="straightConnector1">
+            <a:avLst/>
+          </a:prstGeom>
+          <a:ln>
+            <a:tailEnd type="arrow"/>
+          </a:ln>
+        </p:spPr>
+        <p:style>
+          <a:lnRef idx="2">
+            <a:schemeClr val="accent1"/>
+          </a:lnRef>
+          <a:fillRef idx="0">
+            <a:schemeClr val="accent1"/>
+          </a:fillRef>
+          <a:effectRef idx="1">
+            <a:schemeClr val="accent1"/>
+          </a:effectRef>
+          <a:fontRef idx="minor">
+            <a:schemeClr val="tx1"/>
+          </a:fontRef>
+        </p:style>
+      </p:cxnSp>
+      <p:cxnSp>
+        <p:nvCxnSpPr>
+          <p:cNvPr id="32" name="Прямая соединительная линия 31"/>
+          <p:cNvCxnSpPr/>
+          <p:nvPr/>
+        </p:nvCxnSpPr>
+        <p:spPr>
+          <a:xfrm>
+            <a:off x="2849034" y="4614333"/>
+            <a:ext cx="563032" cy="0"/>
+          </a:xfrm>
+          <a:prstGeom prst="line">
+            <a:avLst/>
+          </a:prstGeom>
+        </p:spPr>
+        <p:style>
+          <a:lnRef idx="2">
+            <a:schemeClr val="accent1"/>
+          </a:lnRef>
+          <a:fillRef idx="0">
+            <a:schemeClr val="accent1"/>
+          </a:fillRef>
+          <a:effectRef idx="1">
+            <a:schemeClr val="accent1"/>
+          </a:effectRef>
+          <a:fontRef idx="minor">
+            <a:schemeClr val="tx1"/>
+          </a:fontRef>
+        </p:style>
+      </p:cxnSp>
+      <p:sp>
+        <p:nvSpPr>
+          <p:cNvPr id="34" name="TextBox 33"/>
+          <p:cNvSpPr txBox="1"/>
+          <p:nvPr/>
+        </p:nvSpPr>
+        <p:spPr>
+          <a:xfrm>
+            <a:off x="2771660" y="4245001"/>
+            <a:ext cx="538804" cy="369332"/>
+          </a:xfrm>
+          <a:prstGeom prst="rect">
+            <a:avLst/>
+          </a:prstGeom>
+          <a:noFill/>
+        </p:spPr>
+        <p:txBody>
+          <a:bodyPr wrap="none" rtlCol="0">
+            <a:spAutoFit/>
+          </a:bodyPr>
+          <a:lstStyle/>
+          <a:p>
+            <a:r>
+              <a:rPr lang="ru-RU" dirty="0" smtClean="0"/>
+              <a:t>нет</a:t>
+            </a:r>
+            <a:endParaRPr lang="ru-RU" dirty="0"/>
+          </a:p>
+        </p:txBody>
+      </p:sp>
+      <p:cxnSp>
+        <p:nvCxnSpPr>
+          <p:cNvPr id="37" name="Прямая со стрелкой 36"/>
+          <p:cNvCxnSpPr/>
+          <p:nvPr/>
+        </p:nvCxnSpPr>
+        <p:spPr>
+          <a:xfrm flipH="1">
+            <a:off x="4457699" y="2506133"/>
+            <a:ext cx="1604435" cy="0"/>
+          </a:xfrm>
+          <a:prstGeom prst="straightConnector1">
+            <a:avLst/>
+          </a:prstGeom>
+          <a:ln>
+            <a:tailEnd type="arrow"/>
+          </a:ln>
+        </p:spPr>
+        <p:style>
+          <a:lnRef idx="2">
+            <a:schemeClr val="accent1"/>
+          </a:lnRef>
+          <a:fillRef idx="0">
+            <a:schemeClr val="accent1"/>
+          </a:fillRef>
+          <a:effectRef idx="1">
+            <a:schemeClr val="accent1"/>
+          </a:effectRef>
+          <a:fontRef idx="minor">
+            <a:schemeClr val="tx1"/>
+          </a:fontRef>
+        </p:style>
+      </p:cxnSp>
+      <p:cxnSp>
+        <p:nvCxnSpPr>
+          <p:cNvPr id="40" name="Прямая соединительная линия 39"/>
+          <p:cNvCxnSpPr/>
+          <p:nvPr/>
+        </p:nvCxnSpPr>
+        <p:spPr>
+          <a:xfrm>
+            <a:off x="5503333" y="4582067"/>
+            <a:ext cx="558801" cy="0"/>
+          </a:xfrm>
+          <a:prstGeom prst="line">
+            <a:avLst/>
+          </a:prstGeom>
+        </p:spPr>
+        <p:style>
+          <a:lnRef idx="2">
+            <a:schemeClr val="accent1"/>
+          </a:lnRef>
+          <a:fillRef idx="0">
+            <a:schemeClr val="accent1"/>
+          </a:fillRef>
+          <a:effectRef idx="1">
+            <a:schemeClr val="accent1"/>
+          </a:effectRef>
+          <a:fontRef idx="minor">
+            <a:schemeClr val="tx1"/>
+          </a:fontRef>
+        </p:style>
+      </p:cxnSp>
+      <p:cxnSp>
+        <p:nvCxnSpPr>
+          <p:cNvPr id="44" name="Прямая соединительная линия 43"/>
+          <p:cNvCxnSpPr/>
+          <p:nvPr/>
+        </p:nvCxnSpPr>
+        <p:spPr>
+          <a:xfrm>
+            <a:off x="6062134" y="2506133"/>
+            <a:ext cx="0" cy="2075934"/>
+          </a:xfrm>
+          <a:prstGeom prst="line">
+            <a:avLst/>
+          </a:prstGeom>
+        </p:spPr>
+        <p:style>
+          <a:lnRef idx="2">
+            <a:schemeClr val="accent1"/>
+          </a:lnRef>
+          <a:fillRef idx="0">
+            <a:schemeClr val="accent1"/>
+          </a:fillRef>
+          <a:effectRef idx="1">
+            <a:schemeClr val="accent1"/>
+          </a:effectRef>
+          <a:fontRef idx="minor">
+            <a:schemeClr val="tx1"/>
+          </a:fontRef>
+        </p:style>
+      </p:cxnSp>
+      <p:sp>
+        <p:nvSpPr>
+          <p:cNvPr id="46" name="TextBox 45"/>
+          <p:cNvSpPr txBox="1"/>
+          <p:nvPr/>
+        </p:nvSpPr>
+        <p:spPr>
+          <a:xfrm>
+            <a:off x="5562600" y="4184597"/>
+            <a:ext cx="427446" cy="369332"/>
+          </a:xfrm>
+          <a:prstGeom prst="rect">
+            <a:avLst/>
+          </a:prstGeom>
+          <a:noFill/>
+        </p:spPr>
+        <p:txBody>
+          <a:bodyPr wrap="none" rtlCol="0">
+            <a:spAutoFit/>
+          </a:bodyPr>
+          <a:lstStyle/>
+          <a:p>
+            <a:r>
+              <a:rPr lang="ru-RU" dirty="0" smtClean="0"/>
+              <a:t>да</a:t>
+            </a:r>
+            <a:endParaRPr lang="ru-RU" dirty="0"/>
+          </a:p>
+        </p:txBody>
+      </p:sp>
+      <p:cxnSp>
+        <p:nvCxnSpPr>
+          <p:cNvPr id="47" name="Прямая со стрелкой 46"/>
+          <p:cNvCxnSpPr/>
+          <p:nvPr/>
+        </p:nvCxnSpPr>
+        <p:spPr>
+          <a:xfrm>
+            <a:off x="2849034" y="5868924"/>
+            <a:ext cx="0" cy="464143"/>
+          </a:xfrm>
+          <a:prstGeom prst="straightConnector1">
+            <a:avLst/>
+          </a:prstGeom>
+          <a:ln>
+            <a:tailEnd type="arrow"/>
+          </a:ln>
+        </p:spPr>
+        <p:style>
+          <a:lnRef idx="2">
+            <a:schemeClr val="accent1"/>
+          </a:lnRef>
+          <a:fillRef idx="0">
+            <a:schemeClr val="accent1"/>
+          </a:fillRef>
+          <a:effectRef idx="1">
+            <a:schemeClr val="accent1"/>
+          </a:effectRef>
+          <a:fontRef idx="minor">
+            <a:schemeClr val="tx1"/>
+          </a:fontRef>
+        </p:style>
+      </p:cxnSp>
+      <p:cxnSp>
+        <p:nvCxnSpPr>
+          <p:cNvPr id="49" name="Прямая со стрелкой 48"/>
+          <p:cNvCxnSpPr/>
+          <p:nvPr/>
+        </p:nvCxnSpPr>
+        <p:spPr>
+          <a:xfrm flipH="1">
+            <a:off x="6062136" y="2514599"/>
+            <a:ext cx="846664" cy="0"/>
+          </a:xfrm>
+          <a:prstGeom prst="straightConnector1">
+            <a:avLst/>
+          </a:prstGeom>
+          <a:ln>
+            <a:tailEnd type="arrow"/>
+          </a:ln>
+        </p:spPr>
+        <p:style>
+          <a:lnRef idx="2">
+            <a:schemeClr val="accent1"/>
+          </a:lnRef>
+          <a:fillRef idx="0">
+            <a:schemeClr val="accent1"/>
+          </a:fillRef>
+          <a:effectRef idx="1">
+            <a:schemeClr val="accent1"/>
+          </a:effectRef>
+          <a:fontRef idx="minor">
+            <a:schemeClr val="tx1"/>
+          </a:fontRef>
+        </p:style>
+      </p:cxnSp>
+      <p:cxnSp>
+        <p:nvCxnSpPr>
+          <p:cNvPr id="52" name="Прямая соединительная линия 51"/>
+          <p:cNvCxnSpPr/>
+          <p:nvPr/>
+        </p:nvCxnSpPr>
+        <p:spPr>
+          <a:xfrm>
+            <a:off x="6908800" y="2506133"/>
+            <a:ext cx="0" cy="3826934"/>
+          </a:xfrm>
+          <a:prstGeom prst="line">
+            <a:avLst/>
+          </a:prstGeom>
+        </p:spPr>
+        <p:style>
+          <a:lnRef idx="2">
+            <a:schemeClr val="accent1"/>
+          </a:lnRef>
+          <a:fillRef idx="0">
+            <a:schemeClr val="accent1"/>
+          </a:fillRef>
+          <a:effectRef idx="1">
+            <a:schemeClr val="accent1"/>
+          </a:effectRef>
+          <a:fontRef idx="minor">
+            <a:schemeClr val="tx1"/>
+          </a:fontRef>
+        </p:style>
+      </p:cxnSp>
+      <p:sp>
+        <p:nvSpPr>
+          <p:cNvPr id="55" name="Подготовка 54"/>
+          <p:cNvSpPr/>
+          <p:nvPr/>
+        </p:nvSpPr>
+        <p:spPr>
+          <a:xfrm>
+            <a:off x="692150" y="5256276"/>
+            <a:ext cx="4313768" cy="612648"/>
+          </a:xfrm>
+          <a:prstGeom prst="flowChartPreparation">
+            <a:avLst/>
+          </a:prstGeom>
+        </p:spPr>
+        <p:style>
+          <a:lnRef idx="1">
+            <a:schemeClr val="accent1"/>
+          </a:lnRef>
+          <a:fillRef idx="3">
+            <a:schemeClr val="accent1"/>
+          </a:fillRef>
+          <a:effectRef idx="2">
+            <a:schemeClr val="accent1"/>
+          </a:effectRef>
+          <a:fontRef idx="minor">
+            <a:schemeClr val="lt1"/>
+          </a:fontRef>
+        </p:style>
+        <p:txBody>
+          <a:bodyPr rtlCol="0" anchor="ctr"/>
+          <a:lstStyle/>
+          <a:p>
+            <a:pPr algn="ctr"/>
+            <a:r>
+              <a:rPr lang="en-US" dirty="0"/>
+              <a:t>ADC(1..4)=ADC(1..4)/4</a:t>
+            </a:r>
+          </a:p>
+          <a:p>
+            <a:pPr algn="ctr"/>
+            <a:r>
+              <a:rPr lang="en-US" dirty="0"/>
+              <a:t>Dcode1=code%255</a:t>
             </a:r>
             <a:endParaRPr lang="ru-RU" dirty="0"/>
           </a:p>
@@ -3928,8 +4885,8 @@
         </p:nvSpPr>
         <p:spPr>
           <a:xfrm>
-            <a:off x="916637" y="139406"/>
-            <a:ext cx="7543800" cy="1701958"/>
+            <a:off x="142241" y="42333"/>
+            <a:ext cx="4023360" cy="575733"/>
           </a:xfrm>
         </p:spPr>
         <p:txBody>
@@ -3937,24 +4894,679 @@
           <a:lstStyle/>
           <a:p>
             <a:r>
+              <a:rPr lang="ru-RU" sz="4000" dirty="0" smtClean="0"/>
+              <a:t>(Продолжение)</a:t>
+            </a:r>
+            <a:endParaRPr lang="ru-RU" sz="4000" dirty="0"/>
+          </a:p>
+        </p:txBody>
+      </p:sp>
+      <p:sp>
+        <p:nvSpPr>
+          <p:cNvPr id="4" name="Овал 3"/>
+          <p:cNvSpPr/>
+          <p:nvPr/>
+        </p:nvSpPr>
+        <p:spPr>
+          <a:xfrm>
+            <a:off x="2641600" y="863600"/>
+            <a:ext cx="414868" cy="397933"/>
+          </a:xfrm>
+          <a:prstGeom prst="ellipse">
+            <a:avLst/>
+          </a:prstGeom>
+        </p:spPr>
+        <p:style>
+          <a:lnRef idx="1">
+            <a:schemeClr val="accent1"/>
+          </a:lnRef>
+          <a:fillRef idx="3">
+            <a:schemeClr val="accent1"/>
+          </a:fillRef>
+          <a:effectRef idx="2">
+            <a:schemeClr val="accent1"/>
+          </a:effectRef>
+          <a:fontRef idx="minor">
+            <a:schemeClr val="lt1"/>
+          </a:fontRef>
+        </p:style>
+        <p:txBody>
+          <a:bodyPr rtlCol="0" anchor="ctr"/>
+          <a:lstStyle/>
+          <a:p>
+            <a:pPr algn="ctr"/>
+            <a:r>
+              <a:rPr lang="en-US" dirty="0" smtClean="0"/>
+              <a:t>1</a:t>
+            </a:r>
+            <a:endParaRPr lang="ru-RU" dirty="0"/>
+          </a:p>
+        </p:txBody>
+      </p:sp>
+      <p:sp>
+        <p:nvSpPr>
+          <p:cNvPr id="5" name="Овал 4"/>
+          <p:cNvSpPr/>
+          <p:nvPr/>
+        </p:nvSpPr>
+        <p:spPr>
+          <a:xfrm>
+            <a:off x="7209365" y="863600"/>
+            <a:ext cx="414868" cy="397933"/>
+          </a:xfrm>
+          <a:prstGeom prst="ellipse">
+            <a:avLst/>
+          </a:prstGeom>
+        </p:spPr>
+        <p:style>
+          <a:lnRef idx="1">
+            <a:schemeClr val="accent1"/>
+          </a:lnRef>
+          <a:fillRef idx="3">
+            <a:schemeClr val="accent1"/>
+          </a:fillRef>
+          <a:effectRef idx="2">
+            <a:schemeClr val="accent1"/>
+          </a:effectRef>
+          <a:fontRef idx="minor">
+            <a:schemeClr val="lt1"/>
+          </a:fontRef>
+        </p:style>
+        <p:txBody>
+          <a:bodyPr rtlCol="0" anchor="ctr"/>
+          <a:lstStyle/>
+          <a:p>
+            <a:pPr algn="ctr"/>
+            <a:r>
+              <a:rPr lang="en-US" dirty="0"/>
+              <a:t>2</a:t>
+            </a:r>
+            <a:endParaRPr lang="ru-RU" dirty="0"/>
+          </a:p>
+        </p:txBody>
+      </p:sp>
+      <p:cxnSp>
+        <p:nvCxnSpPr>
+          <p:cNvPr id="7" name="Прямая со стрелкой 6"/>
+          <p:cNvCxnSpPr>
+            <a:stCxn id="4" idx="4"/>
+          </p:cNvCxnSpPr>
+          <p:nvPr/>
+        </p:nvCxnSpPr>
+        <p:spPr>
+          <a:xfrm flipH="1">
+            <a:off x="2844801" y="1261533"/>
+            <a:ext cx="4233" cy="364067"/>
+          </a:xfrm>
+          <a:prstGeom prst="straightConnector1">
+            <a:avLst/>
+          </a:prstGeom>
+          <a:ln>
+            <a:tailEnd type="arrow"/>
+          </a:ln>
+        </p:spPr>
+        <p:style>
+          <a:lnRef idx="2">
+            <a:schemeClr val="accent1"/>
+          </a:lnRef>
+          <a:fillRef idx="0">
+            <a:schemeClr val="accent1"/>
+          </a:fillRef>
+          <a:effectRef idx="1">
+            <a:schemeClr val="accent1"/>
+          </a:effectRef>
+          <a:fontRef idx="minor">
+            <a:schemeClr val="tx1"/>
+          </a:fontRef>
+        </p:style>
+      </p:cxnSp>
+      <p:sp>
+        <p:nvSpPr>
+          <p:cNvPr id="9" name="Решение 8"/>
+          <p:cNvSpPr/>
+          <p:nvPr/>
+        </p:nvSpPr>
+        <p:spPr>
+          <a:xfrm>
+            <a:off x="1667933" y="1625599"/>
+            <a:ext cx="2353735" cy="745067"/>
+          </a:xfrm>
+          <a:prstGeom prst="flowChartDecision">
+            <a:avLst/>
+          </a:prstGeom>
+        </p:spPr>
+        <p:style>
+          <a:lnRef idx="1">
+            <a:schemeClr val="accent1"/>
+          </a:lnRef>
+          <a:fillRef idx="3">
+            <a:schemeClr val="accent1"/>
+          </a:fillRef>
+          <a:effectRef idx="2">
+            <a:schemeClr val="accent1"/>
+          </a:effectRef>
+          <a:fontRef idx="minor">
+            <a:schemeClr val="lt1"/>
+          </a:fontRef>
+        </p:style>
+        <p:txBody>
+          <a:bodyPr rtlCol="0" anchor="ctr"/>
+          <a:lstStyle/>
+          <a:p>
+            <a:pPr algn="ctr"/>
+            <a:r>
+              <a:rPr lang="en-US" dirty="0" smtClean="0"/>
+              <a:t>Code&gt;255</a:t>
+            </a:r>
+            <a:endParaRPr lang="ru-RU" dirty="0"/>
+          </a:p>
+        </p:txBody>
+      </p:sp>
+      <p:sp>
+        <p:nvSpPr>
+          <p:cNvPr id="11" name="Подготовка 10"/>
+          <p:cNvSpPr/>
+          <p:nvPr/>
+        </p:nvSpPr>
+        <p:spPr>
+          <a:xfrm>
+            <a:off x="4351866" y="1693334"/>
+            <a:ext cx="1896533" cy="612648"/>
+          </a:xfrm>
+          <a:prstGeom prst="flowChartPreparation">
+            <a:avLst/>
+          </a:prstGeom>
+        </p:spPr>
+        <p:style>
+          <a:lnRef idx="1">
+            <a:schemeClr val="accent1"/>
+          </a:lnRef>
+          <a:fillRef idx="3">
+            <a:schemeClr val="accent1"/>
+          </a:fillRef>
+          <a:effectRef idx="2">
+            <a:schemeClr val="accent1"/>
+          </a:effectRef>
+          <a:fontRef idx="minor">
+            <a:schemeClr val="lt1"/>
+          </a:fontRef>
+        </p:style>
+        <p:txBody>
+          <a:bodyPr rtlCol="0" anchor="ctr"/>
+          <a:lstStyle/>
+          <a:p>
+            <a:pPr algn="ctr"/>
+            <a:r>
+              <a:rPr lang="en-US" dirty="0"/>
+              <a:t>Dcode2 = Code/256</a:t>
+            </a:r>
+            <a:endParaRPr lang="ru-RU" dirty="0"/>
+          </a:p>
+        </p:txBody>
+      </p:sp>
+      <p:cxnSp>
+        <p:nvCxnSpPr>
+          <p:cNvPr id="13" name="Прямая со стрелкой 12"/>
+          <p:cNvCxnSpPr>
+            <a:endCxn id="11" idx="1"/>
+          </p:cNvCxnSpPr>
+          <p:nvPr/>
+        </p:nvCxnSpPr>
+        <p:spPr>
+          <a:xfrm flipV="1">
+            <a:off x="4021668" y="1999658"/>
+            <a:ext cx="330198" cy="6942"/>
+          </a:xfrm>
+          <a:prstGeom prst="straightConnector1">
+            <a:avLst/>
+          </a:prstGeom>
+          <a:ln>
+            <a:tailEnd type="arrow"/>
+          </a:ln>
+        </p:spPr>
+        <p:style>
+          <a:lnRef idx="2">
+            <a:schemeClr val="accent1"/>
+          </a:lnRef>
+          <a:fillRef idx="0">
+            <a:schemeClr val="accent1"/>
+          </a:fillRef>
+          <a:effectRef idx="1">
+            <a:schemeClr val="accent1"/>
+          </a:effectRef>
+          <a:fontRef idx="minor">
+            <a:schemeClr val="tx1"/>
+          </a:fontRef>
+        </p:style>
+      </p:cxnSp>
+      <p:sp>
+        <p:nvSpPr>
+          <p:cNvPr id="15" name="Процесс 14"/>
+          <p:cNvSpPr/>
+          <p:nvPr/>
+        </p:nvSpPr>
+        <p:spPr>
+          <a:xfrm>
+            <a:off x="3939116" y="2954867"/>
+            <a:ext cx="2722033" cy="1143000"/>
+          </a:xfrm>
+          <a:prstGeom prst="flowChartProcess">
+            <a:avLst/>
+          </a:prstGeom>
+        </p:spPr>
+        <p:style>
+          <a:lnRef idx="1">
+            <a:schemeClr val="accent1"/>
+          </a:lnRef>
+          <a:fillRef idx="3">
+            <a:schemeClr val="accent1"/>
+          </a:fillRef>
+          <a:effectRef idx="2">
+            <a:schemeClr val="accent1"/>
+          </a:effectRef>
+          <a:fontRef idx="minor">
+            <a:schemeClr val="lt1"/>
+          </a:fontRef>
+        </p:style>
+        <p:txBody>
+          <a:bodyPr rtlCol="0" anchor="ctr"/>
+          <a:lstStyle/>
+          <a:p>
+            <a:pPr algn="ctr"/>
+            <a:r>
               <a:rPr lang="ru-RU" dirty="0" smtClean="0"/>
-              <a:t>Принципиальная схема</a:t>
-            </a:r>
-            <a:br>
+              <a:t>Отправка</a:t>
+            </a:r>
+            <a:r>
+              <a:rPr lang="en-US" dirty="0" smtClean="0"/>
+              <a:t> ADC(1..4), </a:t>
+            </a:r>
+            <a:r>
+              <a:rPr lang="en-US" dirty="0" err="1" smtClean="0"/>
+              <a:t>Dcode</a:t>
+            </a:r>
+            <a:r>
+              <a:rPr lang="en-US" dirty="0" smtClean="0"/>
+              <a:t>(1..2)</a:t>
+            </a:r>
+            <a:endParaRPr lang="ru-RU" dirty="0" smtClean="0"/>
+          </a:p>
+          <a:p>
+            <a:pPr algn="ctr"/>
+            <a:r>
               <a:rPr lang="ru-RU" dirty="0" smtClean="0"/>
-            </a:br>
-            <a:r>
-              <a:rPr lang="ru-RU" sz="3200" dirty="0" smtClean="0"/>
-              <a:t>подключения отладочного устройства к лабораторному стенду</a:t>
-            </a:r>
-            <a:endParaRPr lang="ru-RU" sz="3200" dirty="0"/>
-          </a:p>
-        </p:txBody>
-      </p:sp>
+              <a:t> по</a:t>
+            </a:r>
+            <a:r>
+              <a:rPr lang="en-US" dirty="0" smtClean="0"/>
+              <a:t>USART</a:t>
+            </a:r>
+            <a:r>
+              <a:rPr lang="ru-RU" dirty="0" smtClean="0"/>
+              <a:t>;</a:t>
+            </a:r>
+            <a:endParaRPr lang="ru-RU" dirty="0"/>
+          </a:p>
+          <a:p>
+            <a:pPr algn="ctr"/>
+            <a:r>
+              <a:rPr lang="en-US" dirty="0" smtClean="0"/>
+              <a:t>PWM </a:t>
+            </a:r>
+            <a:r>
+              <a:rPr lang="ru-RU" dirty="0" smtClean="0"/>
+              <a:t>на канал ШИМ</a:t>
+            </a:r>
+            <a:endParaRPr lang="ru-RU" dirty="0"/>
+          </a:p>
+        </p:txBody>
+      </p:sp>
+      <p:cxnSp>
+        <p:nvCxnSpPr>
+          <p:cNvPr id="17" name="Прямая со стрелкой 16"/>
+          <p:cNvCxnSpPr>
+            <a:stCxn id="11" idx="2"/>
+            <a:endCxn id="15" idx="0"/>
+          </p:cNvCxnSpPr>
+          <p:nvPr/>
+        </p:nvCxnSpPr>
+        <p:spPr>
+          <a:xfrm>
+            <a:off x="5300133" y="2305982"/>
+            <a:ext cx="0" cy="648885"/>
+          </a:xfrm>
+          <a:prstGeom prst="straightConnector1">
+            <a:avLst/>
+          </a:prstGeom>
+          <a:ln>
+            <a:tailEnd type="arrow"/>
+          </a:ln>
+        </p:spPr>
+        <p:style>
+          <a:lnRef idx="2">
+            <a:schemeClr val="accent1"/>
+          </a:lnRef>
+          <a:fillRef idx="0">
+            <a:schemeClr val="accent1"/>
+          </a:fillRef>
+          <a:effectRef idx="1">
+            <a:schemeClr val="accent1"/>
+          </a:effectRef>
+          <a:fontRef idx="minor">
+            <a:schemeClr val="tx1"/>
+          </a:fontRef>
+        </p:style>
+      </p:cxnSp>
+      <p:cxnSp>
+        <p:nvCxnSpPr>
+          <p:cNvPr id="19" name="Прямая со стрелкой 18"/>
+          <p:cNvCxnSpPr/>
+          <p:nvPr/>
+        </p:nvCxnSpPr>
+        <p:spPr>
+          <a:xfrm>
+            <a:off x="1185333" y="3261191"/>
+            <a:ext cx="2739087" cy="0"/>
+          </a:xfrm>
+          <a:prstGeom prst="straightConnector1">
+            <a:avLst/>
+          </a:prstGeom>
+          <a:ln>
+            <a:tailEnd type="arrow"/>
+          </a:ln>
+        </p:spPr>
+        <p:style>
+          <a:lnRef idx="2">
+            <a:schemeClr val="accent1"/>
+          </a:lnRef>
+          <a:fillRef idx="0">
+            <a:schemeClr val="accent1"/>
+          </a:fillRef>
+          <a:effectRef idx="1">
+            <a:schemeClr val="accent1"/>
+          </a:effectRef>
+          <a:fontRef idx="minor">
+            <a:schemeClr val="tx1"/>
+          </a:fontRef>
+        </p:style>
+      </p:cxnSp>
+      <p:cxnSp>
+        <p:nvCxnSpPr>
+          <p:cNvPr id="22" name="Прямая соединительная линия 21"/>
+          <p:cNvCxnSpPr>
+            <a:stCxn id="9" idx="1"/>
+          </p:cNvCxnSpPr>
+          <p:nvPr/>
+        </p:nvCxnSpPr>
+        <p:spPr>
+          <a:xfrm flipH="1">
+            <a:off x="1185333" y="1998133"/>
+            <a:ext cx="482600" cy="1525"/>
+          </a:xfrm>
+          <a:prstGeom prst="line">
+            <a:avLst/>
+          </a:prstGeom>
+        </p:spPr>
+        <p:style>
+          <a:lnRef idx="2">
+            <a:schemeClr val="accent1"/>
+          </a:lnRef>
+          <a:fillRef idx="0">
+            <a:schemeClr val="accent1"/>
+          </a:fillRef>
+          <a:effectRef idx="1">
+            <a:schemeClr val="accent1"/>
+          </a:effectRef>
+          <a:fontRef idx="minor">
+            <a:schemeClr val="tx1"/>
+          </a:fontRef>
+        </p:style>
+      </p:cxnSp>
+      <p:cxnSp>
+        <p:nvCxnSpPr>
+          <p:cNvPr id="25" name="Прямая соединительная линия 24"/>
+          <p:cNvCxnSpPr/>
+          <p:nvPr/>
+        </p:nvCxnSpPr>
+        <p:spPr>
+          <a:xfrm>
+            <a:off x="1185333" y="2006600"/>
+            <a:ext cx="0" cy="1254591"/>
+          </a:xfrm>
+          <a:prstGeom prst="line">
+            <a:avLst/>
+          </a:prstGeom>
+        </p:spPr>
+        <p:style>
+          <a:lnRef idx="2">
+            <a:schemeClr val="accent1"/>
+          </a:lnRef>
+          <a:fillRef idx="0">
+            <a:schemeClr val="accent1"/>
+          </a:fillRef>
+          <a:effectRef idx="1">
+            <a:schemeClr val="accent1"/>
+          </a:effectRef>
+          <a:fontRef idx="minor">
+            <a:schemeClr val="tx1"/>
+          </a:fontRef>
+        </p:style>
+      </p:cxnSp>
+      <p:sp>
+        <p:nvSpPr>
+          <p:cNvPr id="27" name="TextBox 26"/>
+          <p:cNvSpPr txBox="1"/>
+          <p:nvPr/>
+        </p:nvSpPr>
+        <p:spPr>
+          <a:xfrm>
+            <a:off x="3924420" y="1446199"/>
+            <a:ext cx="427446" cy="369332"/>
+          </a:xfrm>
+          <a:prstGeom prst="rect">
+            <a:avLst/>
+          </a:prstGeom>
+          <a:noFill/>
+        </p:spPr>
+        <p:txBody>
+          <a:bodyPr wrap="none" rtlCol="0">
+            <a:spAutoFit/>
+          </a:bodyPr>
+          <a:lstStyle/>
+          <a:p>
+            <a:r>
+              <a:rPr lang="ru-RU" dirty="0" smtClean="0"/>
+              <a:t>да</a:t>
+            </a:r>
+            <a:endParaRPr lang="ru-RU" dirty="0"/>
+          </a:p>
+        </p:txBody>
+      </p:sp>
+      <p:sp>
+        <p:nvSpPr>
+          <p:cNvPr id="28" name="TextBox 27"/>
+          <p:cNvSpPr txBox="1"/>
+          <p:nvPr/>
+        </p:nvSpPr>
+        <p:spPr>
+          <a:xfrm>
+            <a:off x="1129129" y="1508668"/>
+            <a:ext cx="538804" cy="369332"/>
+          </a:xfrm>
+          <a:prstGeom prst="rect">
+            <a:avLst/>
+          </a:prstGeom>
+          <a:noFill/>
+        </p:spPr>
+        <p:txBody>
+          <a:bodyPr wrap="none" rtlCol="0">
+            <a:spAutoFit/>
+          </a:bodyPr>
+          <a:lstStyle/>
+          <a:p>
+            <a:r>
+              <a:rPr lang="ru-RU" dirty="0" smtClean="0"/>
+              <a:t>нет</a:t>
+            </a:r>
+            <a:endParaRPr lang="ru-RU" dirty="0"/>
+          </a:p>
+        </p:txBody>
+      </p:sp>
+      <p:sp>
+        <p:nvSpPr>
+          <p:cNvPr id="29" name="Процесс 28"/>
+          <p:cNvSpPr/>
+          <p:nvPr/>
+        </p:nvSpPr>
+        <p:spPr>
+          <a:xfrm>
+            <a:off x="4487333" y="4665134"/>
+            <a:ext cx="1761066" cy="612648"/>
+          </a:xfrm>
+          <a:prstGeom prst="flowChartProcess">
+            <a:avLst/>
+          </a:prstGeom>
+        </p:spPr>
+        <p:style>
+          <a:lnRef idx="1">
+            <a:schemeClr val="accent1"/>
+          </a:lnRef>
+          <a:fillRef idx="3">
+            <a:schemeClr val="accent1"/>
+          </a:fillRef>
+          <a:effectRef idx="2">
+            <a:schemeClr val="accent1"/>
+          </a:effectRef>
+          <a:fontRef idx="minor">
+            <a:schemeClr val="lt1"/>
+          </a:fontRef>
+        </p:style>
+        <p:txBody>
+          <a:bodyPr rtlCol="0" anchor="ctr"/>
+          <a:lstStyle/>
+          <a:p>
+            <a:pPr algn="ctr"/>
+            <a:r>
+              <a:rPr lang="en-US" dirty="0" err="1" smtClean="0"/>
+              <a:t>Dcode</a:t>
+            </a:r>
+            <a:r>
+              <a:rPr lang="en-US" dirty="0" smtClean="0"/>
+              <a:t>(1..2)=0</a:t>
+            </a:r>
+          </a:p>
+          <a:p>
+            <a:pPr algn="ctr"/>
+            <a:r>
+              <a:rPr lang="en-US" dirty="0" smtClean="0"/>
+              <a:t>Code=0</a:t>
+            </a:r>
+            <a:endParaRPr lang="ru-RU" dirty="0"/>
+          </a:p>
+        </p:txBody>
+      </p:sp>
+      <p:cxnSp>
+        <p:nvCxnSpPr>
+          <p:cNvPr id="39" name="Прямая со стрелкой 38"/>
+          <p:cNvCxnSpPr/>
+          <p:nvPr/>
+        </p:nvCxnSpPr>
+        <p:spPr>
+          <a:xfrm>
+            <a:off x="5300133" y="4097867"/>
+            <a:ext cx="0" cy="567267"/>
+          </a:xfrm>
+          <a:prstGeom prst="straightConnector1">
+            <a:avLst/>
+          </a:prstGeom>
+          <a:ln>
+            <a:tailEnd type="arrow"/>
+          </a:ln>
+        </p:spPr>
+        <p:style>
+          <a:lnRef idx="2">
+            <a:schemeClr val="accent1"/>
+          </a:lnRef>
+          <a:fillRef idx="0">
+            <a:schemeClr val="accent1"/>
+          </a:fillRef>
+          <a:effectRef idx="1">
+            <a:schemeClr val="accent1"/>
+          </a:effectRef>
+          <a:fontRef idx="minor">
+            <a:schemeClr val="tx1"/>
+          </a:fontRef>
+        </p:style>
+      </p:cxnSp>
+      <p:cxnSp>
+        <p:nvCxnSpPr>
+          <p:cNvPr id="42" name="Прямая со стрелкой 41"/>
+          <p:cNvCxnSpPr/>
+          <p:nvPr/>
+        </p:nvCxnSpPr>
+        <p:spPr>
+          <a:xfrm flipV="1">
+            <a:off x="7442200" y="1261534"/>
+            <a:ext cx="0" cy="3708399"/>
+          </a:xfrm>
+          <a:prstGeom prst="straightConnector1">
+            <a:avLst/>
+          </a:prstGeom>
+          <a:ln>
+            <a:tailEnd type="arrow"/>
+          </a:ln>
+        </p:spPr>
+        <p:style>
+          <a:lnRef idx="2">
+            <a:schemeClr val="accent1"/>
+          </a:lnRef>
+          <a:fillRef idx="0">
+            <a:schemeClr val="accent1"/>
+          </a:fillRef>
+          <a:effectRef idx="1">
+            <a:schemeClr val="accent1"/>
+          </a:effectRef>
+          <a:fontRef idx="minor">
+            <a:schemeClr val="tx1"/>
+          </a:fontRef>
+        </p:style>
+      </p:cxnSp>
+      <p:cxnSp>
+        <p:nvCxnSpPr>
+          <p:cNvPr id="46" name="Прямая соединительная линия 45"/>
+          <p:cNvCxnSpPr>
+            <a:stCxn id="29" idx="3"/>
+          </p:cNvCxnSpPr>
+          <p:nvPr/>
+        </p:nvCxnSpPr>
+        <p:spPr>
+          <a:xfrm flipV="1">
+            <a:off x="6248399" y="4969933"/>
+            <a:ext cx="1193801" cy="1525"/>
+          </a:xfrm>
+          <a:prstGeom prst="line">
+            <a:avLst/>
+          </a:prstGeom>
+        </p:spPr>
+        <p:style>
+          <a:lnRef idx="2">
+            <a:schemeClr val="accent1"/>
+          </a:lnRef>
+          <a:fillRef idx="0">
+            <a:schemeClr val="accent1"/>
+          </a:fillRef>
+          <a:effectRef idx="1">
+            <a:schemeClr val="accent1"/>
+          </a:effectRef>
+          <a:fontRef idx="minor">
+            <a:schemeClr val="tx1"/>
+          </a:fontRef>
+        </p:style>
+      </p:cxnSp>
     </p:spTree>
     <p:extLst>
       <p:ext uri="{BB962C8B-B14F-4D97-AF65-F5344CB8AC3E}">
-        <p14:creationId xmlns:p14="http://schemas.microsoft.com/office/powerpoint/2010/main" val="2979405245"/>
+        <p14:creationId xmlns:p14="http://schemas.microsoft.com/office/powerpoint/2010/main" val="2656983103"/>
       </p:ext>
     </p:extLst>
   </p:cSld>
@@ -3993,8 +5605,8 @@
         </p:nvSpPr>
         <p:spPr>
           <a:xfrm>
-            <a:off x="653332" y="123917"/>
-            <a:ext cx="8159602" cy="1531573"/>
+            <a:off x="916637" y="139406"/>
+            <a:ext cx="7543800" cy="1701958"/>
           </a:xfrm>
         </p:spPr>
         <p:txBody>
@@ -4003,46 +5615,47 @@
           <a:p>
             <a:r>
               <a:rPr lang="ru-RU" dirty="0" smtClean="0"/>
-              <a:t>Подход к исследованию параметров ПФ (методика)</a:t>
-            </a:r>
-            <a:endParaRPr lang="ru-RU" dirty="0"/>
+              <a:t>Принципиальная схема</a:t>
+            </a:r>
+            <a:br>
+              <a:rPr lang="ru-RU" dirty="0" smtClean="0"/>
+            </a:br>
+            <a:r>
+              <a:rPr lang="ru-RU" sz="3200" dirty="0" smtClean="0"/>
+              <a:t>подключения отладочного устройства к лабораторному стенду</a:t>
+            </a:r>
+            <a:endParaRPr lang="ru-RU" sz="3200" dirty="0"/>
           </a:p>
         </p:txBody>
       </p:sp>
       <p:pic>
         <p:nvPicPr>
-          <p:cNvPr id="4" name="Рисунок 2" descr="C:\Users\Student\Documents\конференция\Безымянный.jpg"/>
-          <p:cNvPicPr/>
+          <p:cNvPr id="2" name="Изображение 1"/>
+          <p:cNvPicPr>
+            <a:picLocks noChangeAspect="1"/>
+          </p:cNvPicPr>
           <p:nvPr/>
         </p:nvPicPr>
         <p:blipFill>
-          <a:blip r:embed="rId2" cstate="print"/>
-          <a:srcRect/>
+          <a:blip r:embed="rId2"/>
           <a:stretch>
             <a:fillRect/>
           </a:stretch>
         </p:blipFill>
-        <p:spPr bwMode="auto">
-          <a:xfrm>
-            <a:off x="1564336" y="2462838"/>
-            <a:ext cx="6009522" cy="3593577"/>
+        <p:spPr>
+          <a:xfrm>
+            <a:off x="1382345" y="2383291"/>
+            <a:ext cx="6379308" cy="3855820"/>
           </a:xfrm>
           <a:prstGeom prst="rect">
             <a:avLst/>
           </a:prstGeom>
-          <a:noFill/>
-          <a:ln w="9525">
-            <a:noFill/>
-            <a:miter lim="800000"/>
-            <a:headEnd/>
-            <a:tailEnd/>
-          </a:ln>
         </p:spPr>
       </p:pic>
     </p:spTree>
     <p:extLst>
       <p:ext uri="{BB962C8B-B14F-4D97-AF65-F5344CB8AC3E}">
-        <p14:creationId xmlns:p14="http://schemas.microsoft.com/office/powerpoint/2010/main" val="3087618129"/>
+        <p14:creationId xmlns:p14="http://schemas.microsoft.com/office/powerpoint/2010/main" val="2979405245"/>
       </p:ext>
     </p:extLst>
   </p:cSld>
@@ -4081,8 +5694,8 @@
         </p:nvSpPr>
         <p:spPr>
           <a:xfrm>
-            <a:off x="823704" y="0"/>
-            <a:ext cx="7543800" cy="1345698"/>
+            <a:off x="653332" y="123917"/>
+            <a:ext cx="8159602" cy="1531573"/>
           </a:xfrm>
         </p:spPr>
         <p:txBody>
@@ -4091,23 +5704,46 @@
           <a:p>
             <a:r>
               <a:rPr lang="ru-RU" dirty="0" smtClean="0"/>
-              <a:t>Приложение: </a:t>
-            </a:r>
-            <a:br>
-              <a:rPr lang="ru-RU" dirty="0" smtClean="0"/>
-            </a:br>
-            <a:r>
-              <a:rPr lang="ru-RU" sz="4000" dirty="0" smtClean="0"/>
-              <a:t>результаты, часть 1</a:t>
-            </a:r>
-            <a:endParaRPr lang="ru-RU" sz="4000" dirty="0"/>
-          </a:p>
-        </p:txBody>
-      </p:sp>
+              <a:t>Подход к исследованию параметров ПФ (методика)</a:t>
+            </a:r>
+            <a:endParaRPr lang="ru-RU" dirty="0"/>
+          </a:p>
+        </p:txBody>
+      </p:sp>
+      <p:pic>
+        <p:nvPicPr>
+          <p:cNvPr id="4" name="Рисунок 2" descr="C:\Users\Student\Documents\конференция\Безымянный.jpg"/>
+          <p:cNvPicPr/>
+          <p:nvPr/>
+        </p:nvPicPr>
+        <p:blipFill>
+          <a:blip r:embed="rId2" cstate="print"/>
+          <a:srcRect/>
+          <a:stretch>
+            <a:fillRect/>
+          </a:stretch>
+        </p:blipFill>
+        <p:spPr bwMode="auto">
+          <a:xfrm>
+            <a:off x="1564336" y="2462838"/>
+            <a:ext cx="6009522" cy="3593577"/>
+          </a:xfrm>
+          <a:prstGeom prst="rect">
+            <a:avLst/>
+          </a:prstGeom>
+          <a:noFill/>
+          <a:ln w="9525">
+            <a:noFill/>
+            <a:miter lim="800000"/>
+            <a:headEnd/>
+            <a:tailEnd/>
+          </a:ln>
+        </p:spPr>
+      </p:pic>
     </p:spTree>
     <p:extLst>
       <p:ext uri="{BB962C8B-B14F-4D97-AF65-F5344CB8AC3E}">
-        <p14:creationId xmlns:p14="http://schemas.microsoft.com/office/powerpoint/2010/main" val="3667132673"/>
+        <p14:creationId xmlns:p14="http://schemas.microsoft.com/office/powerpoint/2010/main" val="3087618129"/>
       </p:ext>
     </p:extLst>
   </p:cSld>
@@ -4146,8 +5782,8 @@
         </p:nvSpPr>
         <p:spPr>
           <a:xfrm>
-            <a:off x="854684" y="0"/>
-            <a:ext cx="6161590" cy="1345698"/>
+            <a:off x="823704" y="0"/>
+            <a:ext cx="7543800" cy="1345698"/>
           </a:xfrm>
         </p:spPr>
         <p:txBody>
@@ -4155,28 +5791,48 @@
           <a:lstStyle/>
           <a:p>
             <a:r>
-              <a:rPr lang="ru-RU" dirty="0"/>
+              <a:rPr lang="ru-RU" dirty="0" smtClean="0"/>
               <a:t>Приложение: </a:t>
             </a:r>
             <a:br>
-              <a:rPr lang="ru-RU" dirty="0"/>
+              <a:rPr lang="ru-RU" dirty="0" smtClean="0"/>
             </a:br>
             <a:r>
-              <a:rPr lang="ru-RU" sz="4000" dirty="0"/>
-              <a:t>результаты, часть </a:t>
-            </a:r>
-            <a:r>
               <a:rPr lang="ru-RU" sz="4000" dirty="0" smtClean="0"/>
-              <a:t>2</a:t>
+              <a:t>результаты, часть 1</a:t>
             </a:r>
             <a:endParaRPr lang="ru-RU" sz="4000" dirty="0"/>
           </a:p>
         </p:txBody>
       </p:sp>
+      <p:pic>
+        <p:nvPicPr>
+          <p:cNvPr id="5" name="Изображение 4"/>
+          <p:cNvPicPr>
+            <a:picLocks noChangeAspect="1"/>
+          </p:cNvPicPr>
+          <p:nvPr/>
+        </p:nvPicPr>
+        <p:blipFill>
+          <a:blip r:embed="rId2"/>
+          <a:stretch>
+            <a:fillRect/>
+          </a:stretch>
+        </p:blipFill>
+        <p:spPr>
+          <a:xfrm>
+            <a:off x="804562" y="1852844"/>
+            <a:ext cx="7562942" cy="3689799"/>
+          </a:xfrm>
+          <a:prstGeom prst="rect">
+            <a:avLst/>
+          </a:prstGeom>
+        </p:spPr>
+      </p:pic>
     </p:spTree>
     <p:extLst>
       <p:ext uri="{BB962C8B-B14F-4D97-AF65-F5344CB8AC3E}">
-        <p14:creationId xmlns:p14="http://schemas.microsoft.com/office/powerpoint/2010/main" val="1048074366"/>
+        <p14:creationId xmlns:p14="http://schemas.microsoft.com/office/powerpoint/2010/main" val="3667132673"/>
       </p:ext>
     </p:extLst>
   </p:cSld>
@@ -4215,6 +5871,285 @@
         </p:nvSpPr>
         <p:spPr>
           <a:xfrm>
+            <a:off x="854684" y="0"/>
+            <a:ext cx="6161590" cy="1345698"/>
+          </a:xfrm>
+        </p:spPr>
+        <p:txBody>
+          <a:bodyPr/>
+          <a:lstStyle/>
+          <a:p>
+            <a:r>
+              <a:rPr lang="ru-RU" dirty="0"/>
+              <a:t>Приложение: </a:t>
+            </a:r>
+            <a:br>
+              <a:rPr lang="ru-RU" dirty="0"/>
+            </a:br>
+            <a:r>
+              <a:rPr lang="ru-RU" sz="4000" dirty="0"/>
+              <a:t>результаты, часть </a:t>
+            </a:r>
+            <a:r>
+              <a:rPr lang="ru-RU" sz="4000" dirty="0" smtClean="0"/>
+              <a:t>2</a:t>
+            </a:r>
+            <a:endParaRPr lang="ru-RU" sz="4000" dirty="0"/>
+          </a:p>
+        </p:txBody>
+      </p:sp>
+      <p:pic>
+        <p:nvPicPr>
+          <p:cNvPr id="2" name="Изображение 1"/>
+          <p:cNvPicPr>
+            <a:picLocks noChangeAspect="1"/>
+          </p:cNvPicPr>
+          <p:nvPr/>
+        </p:nvPicPr>
+        <p:blipFill>
+          <a:blip r:embed="rId2"/>
+          <a:stretch>
+            <a:fillRect/>
+          </a:stretch>
+        </p:blipFill>
+        <p:spPr>
+          <a:xfrm>
+            <a:off x="743010" y="1783788"/>
+            <a:ext cx="7786225" cy="3771731"/>
+          </a:xfrm>
+          <a:prstGeom prst="rect">
+            <a:avLst/>
+          </a:prstGeom>
+        </p:spPr>
+      </p:pic>
+    </p:spTree>
+    <p:extLst>
+      <p:ext uri="{BB962C8B-B14F-4D97-AF65-F5344CB8AC3E}">
+        <p14:creationId xmlns:p14="http://schemas.microsoft.com/office/powerpoint/2010/main" val="1048074366"/>
+      </p:ext>
+    </p:extLst>
+  </p:cSld>
+  <p:clrMapOvr>
+    <a:masterClrMapping/>
+  </p:clrMapOvr>
+</p:sld>
+</file>
+
+<file path=ppt/slides/slide16.xml><?xml version="1.0" encoding="utf-8"?>
+<p:sld xmlns:a="http://schemas.openxmlformats.org/drawingml/2006/main" xmlns:r="http://schemas.openxmlformats.org/officeDocument/2006/relationships" xmlns:p="http://schemas.openxmlformats.org/presentationml/2006/main">
+  <p:cSld>
+    <p:spTree>
+      <p:nvGrpSpPr>
+        <p:cNvPr id="1" name=""/>
+        <p:cNvGrpSpPr/>
+        <p:nvPr/>
+      </p:nvGrpSpPr>
+      <p:grpSpPr>
+        <a:xfrm>
+          <a:off x="0" y="0"/>
+          <a:ext cx="0" cy="0"/>
+          <a:chOff x="0" y="0"/>
+          <a:chExt cx="0" cy="0"/>
+        </a:xfrm>
+      </p:grpSpPr>
+      <p:sp>
+        <p:nvSpPr>
+          <p:cNvPr id="3" name="Название 2"/>
+          <p:cNvSpPr>
+            <a:spLocks noGrp="1"/>
+          </p:cNvSpPr>
+          <p:nvPr>
+            <p:ph type="title"/>
+          </p:nvPr>
+        </p:nvSpPr>
+        <p:spPr>
+          <a:xfrm>
+            <a:off x="837718" y="0"/>
+            <a:ext cx="6194966" cy="1384800"/>
+          </a:xfrm>
+        </p:spPr>
+        <p:txBody>
+          <a:bodyPr/>
+          <a:lstStyle/>
+          <a:p>
+            <a:r>
+              <a:rPr lang="ru-RU" dirty="0"/>
+              <a:t>Приложение: </a:t>
+            </a:r>
+            <a:br>
+              <a:rPr lang="ru-RU" dirty="0"/>
+            </a:br>
+            <a:r>
+              <a:rPr lang="ru-RU" sz="4000" dirty="0"/>
+              <a:t>результаты, часть </a:t>
+            </a:r>
+            <a:r>
+              <a:rPr lang="ru-RU" sz="4000" dirty="0" smtClean="0"/>
+              <a:t>3</a:t>
+            </a:r>
+            <a:endParaRPr lang="ru-RU" sz="4000" dirty="0"/>
+          </a:p>
+        </p:txBody>
+      </p:sp>
+      <p:pic>
+        <p:nvPicPr>
+          <p:cNvPr id="4" name="Изображение 3"/>
+          <p:cNvPicPr>
+            <a:picLocks noChangeAspect="1"/>
+          </p:cNvPicPr>
+          <p:nvPr/>
+        </p:nvPicPr>
+        <p:blipFill>
+          <a:blip r:embed="rId2"/>
+          <a:stretch>
+            <a:fillRect/>
+          </a:stretch>
+        </p:blipFill>
+        <p:spPr>
+          <a:xfrm>
+            <a:off x="837718" y="1948088"/>
+            <a:ext cx="8038124" cy="3912576"/>
+          </a:xfrm>
+          <a:prstGeom prst="rect">
+            <a:avLst/>
+          </a:prstGeom>
+        </p:spPr>
+      </p:pic>
+    </p:spTree>
+    <p:extLst>
+      <p:ext uri="{BB962C8B-B14F-4D97-AF65-F5344CB8AC3E}">
+        <p14:creationId xmlns:p14="http://schemas.microsoft.com/office/powerpoint/2010/main" val="2734117987"/>
+      </p:ext>
+    </p:extLst>
+  </p:cSld>
+  <p:clrMapOvr>
+    <a:masterClrMapping/>
+  </p:clrMapOvr>
+</p:sld>
+</file>
+
+<file path=ppt/slides/slide17.xml><?xml version="1.0" encoding="utf-8"?>
+<p:sld xmlns:a="http://schemas.openxmlformats.org/drawingml/2006/main" xmlns:r="http://schemas.openxmlformats.org/officeDocument/2006/relationships" xmlns:p="http://schemas.openxmlformats.org/presentationml/2006/main">
+  <p:cSld>
+    <p:spTree>
+      <p:nvGrpSpPr>
+        <p:cNvPr id="1" name=""/>
+        <p:cNvGrpSpPr/>
+        <p:nvPr/>
+      </p:nvGrpSpPr>
+      <p:grpSpPr>
+        <a:xfrm>
+          <a:off x="0" y="0"/>
+          <a:ext cx="0" cy="0"/>
+          <a:chOff x="0" y="0"/>
+          <a:chExt cx="0" cy="0"/>
+        </a:xfrm>
+      </p:grpSpPr>
+      <p:sp>
+        <p:nvSpPr>
+          <p:cNvPr id="3" name="Название 2"/>
+          <p:cNvSpPr>
+            <a:spLocks noGrp="1"/>
+          </p:cNvSpPr>
+          <p:nvPr>
+            <p:ph type="title"/>
+          </p:nvPr>
+        </p:nvSpPr>
+        <p:spPr>
+          <a:xfrm>
+            <a:off x="837718" y="86400"/>
+            <a:ext cx="7543800" cy="1237920"/>
+          </a:xfrm>
+        </p:spPr>
+        <p:txBody>
+          <a:bodyPr/>
+          <a:lstStyle/>
+          <a:p>
+            <a:r>
+              <a:rPr lang="ru-RU" dirty="0"/>
+              <a:t>Приложение: </a:t>
+            </a:r>
+            <a:br>
+              <a:rPr lang="ru-RU" dirty="0"/>
+            </a:br>
+            <a:r>
+              <a:rPr lang="ru-RU" sz="4000" dirty="0"/>
+              <a:t>результаты, часть </a:t>
+            </a:r>
+            <a:r>
+              <a:rPr lang="ru-RU" sz="4000" dirty="0" smtClean="0"/>
+              <a:t>4</a:t>
+            </a:r>
+            <a:endParaRPr lang="ru-RU" sz="4000" dirty="0"/>
+          </a:p>
+        </p:txBody>
+      </p:sp>
+      <p:pic>
+        <p:nvPicPr>
+          <p:cNvPr id="5" name="Изображение 4"/>
+          <p:cNvPicPr>
+            <a:picLocks noChangeAspect="1"/>
+          </p:cNvPicPr>
+          <p:nvPr/>
+        </p:nvPicPr>
+        <p:blipFill>
+          <a:blip r:embed="rId2"/>
+          <a:stretch>
+            <a:fillRect/>
+          </a:stretch>
+        </p:blipFill>
+        <p:spPr>
+          <a:xfrm>
+            <a:off x="673893" y="1760821"/>
+            <a:ext cx="7960366" cy="3898832"/>
+          </a:xfrm>
+          <a:prstGeom prst="rect">
+            <a:avLst/>
+          </a:prstGeom>
+        </p:spPr>
+      </p:pic>
+    </p:spTree>
+    <p:extLst>
+      <p:ext uri="{BB962C8B-B14F-4D97-AF65-F5344CB8AC3E}">
+        <p14:creationId xmlns:p14="http://schemas.microsoft.com/office/powerpoint/2010/main" val="117236894"/>
+      </p:ext>
+    </p:extLst>
+  </p:cSld>
+  <p:clrMapOvr>
+    <a:masterClrMapping/>
+  </p:clrMapOvr>
+</p:sld>
+</file>
+
+<file path=ppt/slides/slide18.xml><?xml version="1.0" encoding="utf-8"?>
+<p:sld xmlns:a="http://schemas.openxmlformats.org/drawingml/2006/main" xmlns:r="http://schemas.openxmlformats.org/officeDocument/2006/relationships" xmlns:p="http://schemas.openxmlformats.org/presentationml/2006/main">
+  <p:cSld>
+    <p:spTree>
+      <p:nvGrpSpPr>
+        <p:cNvPr id="1" name=""/>
+        <p:cNvGrpSpPr/>
+        <p:nvPr/>
+      </p:nvGrpSpPr>
+      <p:grpSpPr>
+        <a:xfrm>
+          <a:off x="0" y="0"/>
+          <a:ext cx="0" cy="0"/>
+          <a:chOff x="0" y="0"/>
+          <a:chExt cx="0" cy="0"/>
+        </a:xfrm>
+      </p:grpSpPr>
+      <p:sp>
+        <p:nvSpPr>
+          <p:cNvPr id="3" name="Название 2"/>
+          <p:cNvSpPr>
+            <a:spLocks noGrp="1"/>
+          </p:cNvSpPr>
+          <p:nvPr>
+            <p:ph type="title"/>
+          </p:nvPr>
+        </p:nvSpPr>
+        <p:spPr>
+          <a:xfrm>
             <a:off x="170373" y="0"/>
             <a:ext cx="8828423" cy="914400"/>
           </a:xfrm>
@@ -4226,6 +6161,126 @@
             <a:r>
               <a:rPr lang="ru-RU" dirty="0" smtClean="0"/>
               <a:t>Перспективы модернизации</a:t>
+            </a:r>
+            <a:endParaRPr lang="ru-RU" dirty="0"/>
+          </a:p>
+        </p:txBody>
+      </p:sp>
+      <p:pic>
+        <p:nvPicPr>
+          <p:cNvPr id="4" name="Изображение 3"/>
+          <p:cNvPicPr>
+            <a:picLocks noChangeAspect="1"/>
+          </p:cNvPicPr>
+          <p:nvPr/>
+        </p:nvPicPr>
+        <p:blipFill>
+          <a:blip r:embed="rId2"/>
+          <a:stretch>
+            <a:fillRect/>
+          </a:stretch>
+        </p:blipFill>
+        <p:spPr>
+          <a:xfrm>
+            <a:off x="4371668" y="2507880"/>
+            <a:ext cx="3964722" cy="2767419"/>
+          </a:xfrm>
+          <a:prstGeom prst="rect">
+            <a:avLst/>
+          </a:prstGeom>
+        </p:spPr>
+      </p:pic>
+      <p:pic>
+        <p:nvPicPr>
+          <p:cNvPr id="5" name="Изображение 4"/>
+          <p:cNvPicPr>
+            <a:picLocks noChangeAspect="1"/>
+          </p:cNvPicPr>
+          <p:nvPr/>
+        </p:nvPicPr>
+        <p:blipFill>
+          <a:blip r:embed="rId3"/>
+          <a:stretch>
+            <a:fillRect/>
+          </a:stretch>
+        </p:blipFill>
+        <p:spPr>
+          <a:xfrm>
+            <a:off x="981320" y="2868480"/>
+            <a:ext cx="1896688" cy="1850000"/>
+          </a:xfrm>
+          <a:prstGeom prst="rect">
+            <a:avLst/>
+          </a:prstGeom>
+        </p:spPr>
+      </p:pic>
+      <p:sp>
+        <p:nvSpPr>
+          <p:cNvPr id="6" name="TextBox 5"/>
+          <p:cNvSpPr txBox="1"/>
+          <p:nvPr/>
+        </p:nvSpPr>
+        <p:spPr>
+          <a:xfrm>
+            <a:off x="604776" y="1860566"/>
+            <a:ext cx="2629709" cy="646331"/>
+          </a:xfrm>
+          <a:prstGeom prst="rect">
+            <a:avLst/>
+          </a:prstGeom>
+          <a:noFill/>
+        </p:spPr>
+        <p:txBody>
+          <a:bodyPr wrap="none" rtlCol="0">
+            <a:spAutoFit/>
+          </a:bodyPr>
+          <a:lstStyle/>
+          <a:p>
+            <a:pPr algn="ctr"/>
+            <a:r>
+              <a:rPr lang="ru-RU" dirty="0" smtClean="0"/>
+              <a:t>Делитель напряжения</a:t>
+            </a:r>
+          </a:p>
+          <a:p>
+            <a:pPr algn="ctr"/>
+            <a:r>
+              <a:rPr lang="ru-RU" dirty="0" smtClean="0"/>
+              <a:t> для канало АЦП</a:t>
+            </a:r>
+            <a:endParaRPr lang="ru-RU" dirty="0"/>
+          </a:p>
+        </p:txBody>
+      </p:sp>
+      <p:sp>
+        <p:nvSpPr>
+          <p:cNvPr id="7" name="TextBox 6"/>
+          <p:cNvSpPr txBox="1"/>
+          <p:nvPr/>
+        </p:nvSpPr>
+        <p:spPr>
+          <a:xfrm>
+            <a:off x="5106038" y="1814400"/>
+            <a:ext cx="2279290" cy="369332"/>
+          </a:xfrm>
+          <a:prstGeom prst="rect">
+            <a:avLst/>
+          </a:prstGeom>
+          <a:noFill/>
+        </p:spPr>
+        <p:txBody>
+          <a:bodyPr wrap="none" rtlCol="0">
+            <a:spAutoFit/>
+          </a:bodyPr>
+          <a:lstStyle/>
+          <a:p>
+            <a:r>
+              <a:rPr lang="ru-RU" dirty="0" err="1" smtClean="0"/>
+              <a:t>Усреднитель</a:t>
+            </a:r>
+            <a:r>
+              <a:rPr lang="ru-RU" dirty="0" smtClean="0"/>
+              <a:t> ШИМ</a:t>
             </a:r>
             <a:endParaRPr lang="ru-RU" dirty="0"/>
           </a:p>
@@ -4629,7 +6684,7 @@
           <a:graphicData uri="http://schemas.openxmlformats.org/presentationml/2006/ole">
             <mc:AlternateContent xmlns:mc="http://schemas.openxmlformats.org/markup-compatibility/2006">
               <mc:Choice xmlns:v="urn:schemas-microsoft-com:vml" Requires="v">
-                <p:oleObj spid="_x0000_s1051" name="Документ" r:id="rId3" imgW="6858000" imgH="177800" progId="Word.Document.12">
+                <p:oleObj spid="_x0000_s1086" name="Документ" r:id="rId3" imgW="6858000" imgH="177800" progId="Word.Document.12">
                   <p:embed/>
                 </p:oleObj>
               </mc:Choice>
@@ -4686,7 +6741,7 @@
           <a:graphicData uri="http://schemas.openxmlformats.org/presentationml/2006/ole">
             <mc:AlternateContent xmlns:mc="http://schemas.openxmlformats.org/markup-compatibility/2006">
               <mc:Choice xmlns:v="urn:schemas-microsoft-com:vml" Requires="v">
-                <p:oleObj spid="_x0000_s1052" name="Документ" r:id="rId5" imgW="9131300" imgH="4191000" progId="Word.Document.12">
+                <p:oleObj spid="_x0000_s1087" name="Документ" r:id="rId5" imgW="9131300" imgH="4191000" progId="Word.Document.12">
                   <p:embed/>
                 </p:oleObj>
               </mc:Choice>
@@ -4841,7 +6896,7 @@
           <a:graphicData uri="http://schemas.openxmlformats.org/presentationml/2006/ole">
             <mc:AlternateContent xmlns:mc="http://schemas.openxmlformats.org/markup-compatibility/2006">
               <mc:Choice xmlns:v="urn:schemas-microsoft-com:vml" Requires="v">
-                <p:oleObj spid="_x0000_s2058" name="Документ" r:id="rId3" imgW="9398000" imgH="1270000" progId="Word.Document.12">
+                <p:oleObj spid="_x0000_s2076" name="Документ" r:id="rId3" imgW="9398000" imgH="1270000" progId="Word.Document.12">
                   <p:embed/>
                 </p:oleObj>
               </mc:Choice>
@@ -4918,8 +6973,8 @@
         </p:nvSpPr>
         <p:spPr>
           <a:xfrm>
-            <a:off x="777240" y="183465"/>
-            <a:ext cx="7543800" cy="914400"/>
+            <a:off x="164154" y="95039"/>
+            <a:ext cx="8838372" cy="717705"/>
           </a:xfrm>
         </p:spPr>
         <p:txBody>
@@ -4927,13 +6982,49 @@
           <a:lstStyle/>
           <a:p>
             <a:r>
-              <a:rPr lang="ru-RU" dirty="0" smtClean="0"/>
-              <a:t>Вновь разработанное ПО</a:t>
-            </a:r>
-            <a:endParaRPr lang="ru-RU" dirty="0"/>
-          </a:p>
-        </p:txBody>
-      </p:sp>
+              <a:rPr lang="ru-RU" sz="4400" dirty="0" smtClean="0"/>
+              <a:t>Вновь разработанное </a:t>
+            </a:r>
+            <a:r>
+              <a:rPr lang="ru-RU" sz="4400" dirty="0" smtClean="0"/>
+              <a:t>ПО</a:t>
+            </a:r>
+            <a:r>
+              <a:rPr lang="en-US" sz="4400" dirty="0"/>
+              <a:t> </a:t>
+            </a:r>
+            <a:r>
+              <a:rPr lang="en-US" sz="4400" dirty="0" smtClean="0"/>
+              <a:t>(Java)</a:t>
+            </a:r>
+            <a:endParaRPr lang="ru-RU" sz="4400" dirty="0"/>
+          </a:p>
+        </p:txBody>
+      </p:sp>
+      <p:pic>
+        <p:nvPicPr>
+          <p:cNvPr id="4" name="Изображение 3"/>
+          <p:cNvPicPr>
+            <a:picLocks noChangeAspect="1"/>
+          </p:cNvPicPr>
+          <p:nvPr/>
+        </p:nvPicPr>
+        <p:blipFill>
+          <a:blip r:embed="rId2"/>
+          <a:stretch>
+            <a:fillRect/>
+          </a:stretch>
+        </p:blipFill>
+        <p:spPr>
+          <a:xfrm>
+            <a:off x="449262" y="1680988"/>
+            <a:ext cx="8167718" cy="3969647"/>
+          </a:xfrm>
+          <a:prstGeom prst="rect">
+            <a:avLst/>
+          </a:prstGeom>
+        </p:spPr>
+      </p:pic>
     </p:spTree>
     <p:extLst>
       <p:ext uri="{BB962C8B-B14F-4D97-AF65-F5344CB8AC3E}">
@@ -4976,8 +7067,8 @@
         </p:nvSpPr>
         <p:spPr>
           <a:xfrm>
-            <a:off x="777240" y="139406"/>
-            <a:ext cx="7543800" cy="1392167"/>
+            <a:off x="777240" y="69119"/>
+            <a:ext cx="7543800" cy="1138293"/>
           </a:xfrm>
         </p:spPr>
         <p:txBody>
@@ -4992,13 +7083,915 @@
               <a:rPr lang="ru-RU" dirty="0" smtClean="0"/>
             </a:br>
             <a:r>
-              <a:rPr lang="ru-RU" sz="4000" dirty="0" smtClean="0"/>
-              <a:t>разработанного ПО</a:t>
-            </a:r>
-            <a:endParaRPr lang="ru-RU" sz="4000" dirty="0"/>
-          </a:p>
-        </p:txBody>
-      </p:sp>
+              <a:rPr lang="ru-RU" sz="3200" dirty="0" smtClean="0"/>
+              <a:t>основного цикла разработанного </a:t>
+            </a:r>
+            <a:r>
+              <a:rPr lang="ru-RU" sz="3200" dirty="0" smtClean="0"/>
+              <a:t>ПО</a:t>
+            </a:r>
+            <a:endParaRPr lang="ru-RU" sz="3200" dirty="0"/>
+          </a:p>
+        </p:txBody>
+      </p:sp>
+      <p:sp>
+        <p:nvSpPr>
+          <p:cNvPr id="2" name="Процесс 1"/>
+          <p:cNvSpPr/>
+          <p:nvPr/>
+        </p:nvSpPr>
+        <p:spPr>
+          <a:xfrm>
+            <a:off x="3562151" y="1913283"/>
+            <a:ext cx="1617133" cy="778934"/>
+          </a:xfrm>
+          <a:prstGeom prst="flowChartProcess">
+            <a:avLst/>
+          </a:prstGeom>
+        </p:spPr>
+        <p:style>
+          <a:lnRef idx="1">
+            <a:schemeClr val="accent1"/>
+          </a:lnRef>
+          <a:fillRef idx="3">
+            <a:schemeClr val="accent1"/>
+          </a:fillRef>
+          <a:effectRef idx="2">
+            <a:schemeClr val="accent1"/>
+          </a:effectRef>
+          <a:fontRef idx="minor">
+            <a:schemeClr val="lt1"/>
+          </a:fontRef>
+        </p:style>
+        <p:txBody>
+          <a:bodyPr rtlCol="0" anchor="ctr"/>
+          <a:lstStyle/>
+          <a:p>
+            <a:pPr algn="ctr"/>
+            <a:r>
+              <a:rPr lang="ru-RU" dirty="0" smtClean="0"/>
+              <a:t>Отправка</a:t>
+            </a:r>
+          </a:p>
+          <a:p>
+            <a:pPr algn="ctr"/>
+            <a:r>
+              <a:rPr lang="en-US" dirty="0" smtClean="0"/>
+              <a:t>PWM</a:t>
+            </a:r>
+          </a:p>
+          <a:p>
+            <a:pPr algn="ctr"/>
+            <a:r>
+              <a:rPr lang="ru-RU" dirty="0"/>
+              <a:t>п</a:t>
+            </a:r>
+            <a:r>
+              <a:rPr lang="ru-RU" dirty="0" smtClean="0"/>
+              <a:t>о </a:t>
+            </a:r>
+            <a:r>
+              <a:rPr lang="en-US" dirty="0" smtClean="0"/>
+              <a:t>USART</a:t>
+            </a:r>
+            <a:endParaRPr lang="ru-RU" dirty="0"/>
+          </a:p>
+        </p:txBody>
+      </p:sp>
+      <p:sp>
+        <p:nvSpPr>
+          <p:cNvPr id="4" name="Подготовка 3"/>
+          <p:cNvSpPr/>
+          <p:nvPr/>
+        </p:nvSpPr>
+        <p:spPr>
+          <a:xfrm>
+            <a:off x="3333551" y="2971618"/>
+            <a:ext cx="2074333" cy="337063"/>
+          </a:xfrm>
+          <a:prstGeom prst="flowChartPreparation">
+            <a:avLst/>
+          </a:prstGeom>
+        </p:spPr>
+        <p:style>
+          <a:lnRef idx="1">
+            <a:schemeClr val="accent1"/>
+          </a:lnRef>
+          <a:fillRef idx="3">
+            <a:schemeClr val="accent1"/>
+          </a:fillRef>
+          <a:effectRef idx="2">
+            <a:schemeClr val="accent1"/>
+          </a:effectRef>
+          <a:fontRef idx="minor">
+            <a:schemeClr val="lt1"/>
+          </a:fontRef>
+        </p:style>
+        <p:txBody>
+          <a:bodyPr rtlCol="0" anchor="ctr"/>
+          <a:lstStyle/>
+          <a:p>
+            <a:pPr algn="ctr"/>
+            <a:r>
+              <a:rPr lang="ru-RU" dirty="0" smtClean="0"/>
+              <a:t>Задержка</a:t>
+            </a:r>
+            <a:endParaRPr lang="en-US" dirty="0" smtClean="0"/>
+          </a:p>
+        </p:txBody>
+      </p:sp>
+      <p:cxnSp>
+        <p:nvCxnSpPr>
+          <p:cNvPr id="6" name="Прямая со стрелкой 5"/>
+          <p:cNvCxnSpPr>
+            <a:stCxn id="2" idx="2"/>
+          </p:cNvCxnSpPr>
+          <p:nvPr/>
+        </p:nvCxnSpPr>
+        <p:spPr>
+          <a:xfrm>
+            <a:off x="4370718" y="2692217"/>
+            <a:ext cx="12700" cy="258233"/>
+          </a:xfrm>
+          <a:prstGeom prst="straightConnector1">
+            <a:avLst/>
+          </a:prstGeom>
+          <a:ln>
+            <a:tailEnd type="arrow"/>
+          </a:ln>
+        </p:spPr>
+        <p:style>
+          <a:lnRef idx="2">
+            <a:schemeClr val="accent1"/>
+          </a:lnRef>
+          <a:fillRef idx="0">
+            <a:schemeClr val="accent1"/>
+          </a:fillRef>
+          <a:effectRef idx="1">
+            <a:schemeClr val="accent1"/>
+          </a:effectRef>
+          <a:fontRef idx="minor">
+            <a:schemeClr val="tx1"/>
+          </a:fontRef>
+        </p:style>
+      </p:cxnSp>
+      <p:sp>
+        <p:nvSpPr>
+          <p:cNvPr id="8" name="Процесс 7"/>
+          <p:cNvSpPr/>
+          <p:nvPr/>
+        </p:nvSpPr>
+        <p:spPr>
+          <a:xfrm>
+            <a:off x="1940785" y="3308681"/>
+            <a:ext cx="1405465" cy="519515"/>
+          </a:xfrm>
+          <a:prstGeom prst="flowChartProcess">
+            <a:avLst/>
+          </a:prstGeom>
+        </p:spPr>
+        <p:style>
+          <a:lnRef idx="1">
+            <a:schemeClr val="accent1"/>
+          </a:lnRef>
+          <a:fillRef idx="3">
+            <a:schemeClr val="accent1"/>
+          </a:fillRef>
+          <a:effectRef idx="2">
+            <a:schemeClr val="accent1"/>
+          </a:effectRef>
+          <a:fontRef idx="minor">
+            <a:schemeClr val="lt1"/>
+          </a:fontRef>
+        </p:style>
+        <p:txBody>
+          <a:bodyPr rtlCol="0" anchor="ctr"/>
+          <a:lstStyle/>
+          <a:p>
+            <a:pPr algn="ctr"/>
+            <a:r>
+              <a:rPr lang="en-US" dirty="0" smtClean="0"/>
+              <a:t>ADC(1..4)</a:t>
+            </a:r>
+          </a:p>
+          <a:p>
+            <a:pPr algn="ctr"/>
+            <a:r>
+              <a:rPr lang="en-US" dirty="0" err="1" smtClean="0"/>
+              <a:t>Dcode</a:t>
+            </a:r>
+            <a:r>
+              <a:rPr lang="en-US" dirty="0" smtClean="0"/>
+              <a:t>(1..2)</a:t>
+            </a:r>
+            <a:endParaRPr lang="ru-RU" dirty="0"/>
+          </a:p>
+        </p:txBody>
+      </p:sp>
+      <p:cxnSp>
+        <p:nvCxnSpPr>
+          <p:cNvPr id="10" name="Прямая со стрелкой 9"/>
+          <p:cNvCxnSpPr>
+            <a:endCxn id="8" idx="1"/>
+          </p:cNvCxnSpPr>
+          <p:nvPr/>
+        </p:nvCxnSpPr>
+        <p:spPr>
+          <a:xfrm>
+            <a:off x="916317" y="3568439"/>
+            <a:ext cx="1024468" cy="0"/>
+          </a:xfrm>
+          <a:prstGeom prst="straightConnector1">
+            <a:avLst/>
+          </a:prstGeom>
+          <a:ln>
+            <a:tailEnd type="arrow"/>
+          </a:ln>
+        </p:spPr>
+        <p:style>
+          <a:lnRef idx="2">
+            <a:schemeClr val="accent1"/>
+          </a:lnRef>
+          <a:fillRef idx="0">
+            <a:schemeClr val="accent1"/>
+          </a:fillRef>
+          <a:effectRef idx="1">
+            <a:schemeClr val="accent1"/>
+          </a:effectRef>
+          <a:fontRef idx="minor">
+            <a:schemeClr val="tx1"/>
+          </a:fontRef>
+        </p:style>
+      </p:cxnSp>
+      <p:sp>
+        <p:nvSpPr>
+          <p:cNvPr id="13" name="TextBox 12"/>
+          <p:cNvSpPr txBox="1"/>
+          <p:nvPr/>
+        </p:nvSpPr>
+        <p:spPr>
+          <a:xfrm>
+            <a:off x="777240" y="3124015"/>
+            <a:ext cx="960569" cy="369332"/>
+          </a:xfrm>
+          <a:prstGeom prst="rect">
+            <a:avLst/>
+          </a:prstGeom>
+          <a:noFill/>
+        </p:spPr>
+        <p:txBody>
+          <a:bodyPr wrap="none" rtlCol="0">
+            <a:spAutoFit/>
+          </a:bodyPr>
+          <a:lstStyle/>
+          <a:p>
+            <a:r>
+              <a:rPr lang="en-US" dirty="0" smtClean="0"/>
+              <a:t>USART</a:t>
+            </a:r>
+            <a:endParaRPr lang="ru-RU" dirty="0"/>
+          </a:p>
+        </p:txBody>
+      </p:sp>
+      <p:sp>
+        <p:nvSpPr>
+          <p:cNvPr id="14" name="Подготовка 13"/>
+          <p:cNvSpPr/>
+          <p:nvPr/>
+        </p:nvSpPr>
+        <p:spPr>
+          <a:xfrm>
+            <a:off x="3049918" y="3996085"/>
+            <a:ext cx="2667000" cy="612648"/>
+          </a:xfrm>
+          <a:prstGeom prst="flowChartPreparation">
+            <a:avLst/>
+          </a:prstGeom>
+        </p:spPr>
+        <p:style>
+          <a:lnRef idx="1">
+            <a:schemeClr val="accent1"/>
+          </a:lnRef>
+          <a:fillRef idx="3">
+            <a:schemeClr val="accent1"/>
+          </a:fillRef>
+          <a:effectRef idx="2">
+            <a:schemeClr val="accent1"/>
+          </a:effectRef>
+          <a:fontRef idx="minor">
+            <a:schemeClr val="lt1"/>
+          </a:fontRef>
+        </p:style>
+        <p:txBody>
+          <a:bodyPr rtlCol="0" anchor="ctr"/>
+          <a:lstStyle/>
+          <a:p>
+            <a:pPr algn="ctr"/>
+            <a:r>
+              <a:rPr lang="en-US" dirty="0" smtClean="0"/>
+              <a:t>Code=Dcode1+256*Dcode2</a:t>
+            </a:r>
+            <a:endParaRPr lang="ru-RU" dirty="0"/>
+          </a:p>
+        </p:txBody>
+      </p:sp>
+      <p:cxnSp>
+        <p:nvCxnSpPr>
+          <p:cNvPr id="16" name="Прямая со стрелкой 15"/>
+          <p:cNvCxnSpPr>
+            <a:stCxn id="4" idx="2"/>
+            <a:endCxn id="14" idx="0"/>
+          </p:cNvCxnSpPr>
+          <p:nvPr/>
+        </p:nvCxnSpPr>
+        <p:spPr>
+          <a:xfrm>
+            <a:off x="4370718" y="3308681"/>
+            <a:ext cx="12700" cy="687404"/>
+          </a:xfrm>
+          <a:prstGeom prst="straightConnector1">
+            <a:avLst/>
+          </a:prstGeom>
+          <a:ln>
+            <a:tailEnd type="arrow"/>
+          </a:ln>
+        </p:spPr>
+        <p:style>
+          <a:lnRef idx="2">
+            <a:schemeClr val="accent1"/>
+          </a:lnRef>
+          <a:fillRef idx="0">
+            <a:schemeClr val="accent1"/>
+          </a:fillRef>
+          <a:effectRef idx="1">
+            <a:schemeClr val="accent1"/>
+          </a:effectRef>
+          <a:fontRef idx="minor">
+            <a:schemeClr val="tx1"/>
+          </a:fontRef>
+        </p:style>
+      </p:cxnSp>
+      <p:cxnSp>
+        <p:nvCxnSpPr>
+          <p:cNvPr id="24" name="Прямая со стрелкой 23"/>
+          <p:cNvCxnSpPr/>
+          <p:nvPr/>
+        </p:nvCxnSpPr>
+        <p:spPr>
+          <a:xfrm>
+            <a:off x="3358949" y="3574196"/>
+            <a:ext cx="1024468" cy="0"/>
+          </a:xfrm>
+          <a:prstGeom prst="straightConnector1">
+            <a:avLst/>
+          </a:prstGeom>
+          <a:ln>
+            <a:tailEnd type="arrow"/>
+          </a:ln>
+        </p:spPr>
+        <p:style>
+          <a:lnRef idx="2">
+            <a:schemeClr val="accent1"/>
+          </a:lnRef>
+          <a:fillRef idx="0">
+            <a:schemeClr val="accent1"/>
+          </a:fillRef>
+          <a:effectRef idx="1">
+            <a:schemeClr val="accent1"/>
+          </a:effectRef>
+          <a:fontRef idx="minor">
+            <a:schemeClr val="tx1"/>
+          </a:fontRef>
+        </p:style>
+      </p:cxnSp>
+      <p:sp>
+        <p:nvSpPr>
+          <p:cNvPr id="31" name="Подготовка 30"/>
+          <p:cNvSpPr/>
+          <p:nvPr/>
+        </p:nvSpPr>
+        <p:spPr>
+          <a:xfrm>
+            <a:off x="3693386" y="1409516"/>
+            <a:ext cx="1354667" cy="273984"/>
+          </a:xfrm>
+          <a:prstGeom prst="flowChartPreparation">
+            <a:avLst/>
+          </a:prstGeom>
+        </p:spPr>
+        <p:style>
+          <a:lnRef idx="1">
+            <a:schemeClr val="accent1"/>
+          </a:lnRef>
+          <a:fillRef idx="3">
+            <a:schemeClr val="accent1"/>
+          </a:fillRef>
+          <a:effectRef idx="2">
+            <a:schemeClr val="accent1"/>
+          </a:effectRef>
+          <a:fontRef idx="minor">
+            <a:schemeClr val="lt1"/>
+          </a:fontRef>
+        </p:style>
+        <p:txBody>
+          <a:bodyPr rtlCol="0" anchor="ctr"/>
+          <a:lstStyle/>
+          <a:p>
+            <a:pPr algn="ctr"/>
+            <a:r>
+              <a:rPr lang="en-US" dirty="0"/>
+              <a:t>t0 = 0</a:t>
+            </a:r>
+            <a:endParaRPr lang="ru-RU" dirty="0"/>
+          </a:p>
+        </p:txBody>
+      </p:sp>
+      <p:cxnSp>
+        <p:nvCxnSpPr>
+          <p:cNvPr id="32" name="Прямая со стрелкой 31"/>
+          <p:cNvCxnSpPr/>
+          <p:nvPr/>
+        </p:nvCxnSpPr>
+        <p:spPr>
+          <a:xfrm flipH="1">
+            <a:off x="4358018" y="1683500"/>
+            <a:ext cx="12700" cy="246715"/>
+          </a:xfrm>
+          <a:prstGeom prst="straightConnector1">
+            <a:avLst/>
+          </a:prstGeom>
+          <a:ln>
+            <a:tailEnd type="arrow"/>
+          </a:ln>
+        </p:spPr>
+        <p:style>
+          <a:lnRef idx="2">
+            <a:schemeClr val="accent1"/>
+          </a:lnRef>
+          <a:fillRef idx="0">
+            <a:schemeClr val="accent1"/>
+          </a:fillRef>
+          <a:effectRef idx="1">
+            <a:schemeClr val="accent1"/>
+          </a:effectRef>
+          <a:fontRef idx="minor">
+            <a:schemeClr val="tx1"/>
+          </a:fontRef>
+        </p:style>
+      </p:cxnSp>
+      <p:sp>
+        <p:nvSpPr>
+          <p:cNvPr id="38" name="Ручной ввод 37"/>
+          <p:cNvSpPr/>
+          <p:nvPr/>
+        </p:nvSpPr>
+        <p:spPr>
+          <a:xfrm>
+            <a:off x="948780" y="4470493"/>
+            <a:ext cx="1578057" cy="734400"/>
+          </a:xfrm>
+          <a:prstGeom prst="flowChartManualInput">
+            <a:avLst/>
+          </a:prstGeom>
+        </p:spPr>
+        <p:style>
+          <a:lnRef idx="1">
+            <a:schemeClr val="accent1"/>
+          </a:lnRef>
+          <a:fillRef idx="3">
+            <a:schemeClr val="accent1"/>
+          </a:fillRef>
+          <a:effectRef idx="2">
+            <a:schemeClr val="accent1"/>
+          </a:effectRef>
+          <a:fontRef idx="minor">
+            <a:schemeClr val="lt1"/>
+          </a:fontRef>
+        </p:style>
+        <p:txBody>
+          <a:bodyPr rtlCol="0" anchor="ctr"/>
+          <a:lstStyle/>
+          <a:p>
+            <a:pPr algn="ctr"/>
+            <a:r>
+              <a:rPr lang="en-US" dirty="0" smtClean="0"/>
+              <a:t>K[</a:t>
+            </a:r>
+            <a:r>
+              <a:rPr lang="en-US" dirty="0" err="1" smtClean="0"/>
+              <a:t>adc</a:t>
+            </a:r>
+            <a:r>
+              <a:rPr lang="en-US" dirty="0"/>
+              <a:t>(</a:t>
+            </a:r>
+            <a:r>
+              <a:rPr lang="en-US" dirty="0" smtClean="0"/>
+              <a:t>1..4)]</a:t>
+            </a:r>
+          </a:p>
+          <a:p>
+            <a:pPr algn="ctr"/>
+            <a:r>
+              <a:rPr lang="en-US" dirty="0" smtClean="0"/>
+              <a:t>K[speed]</a:t>
+            </a:r>
+            <a:endParaRPr lang="ru-RU" dirty="0"/>
+          </a:p>
+        </p:txBody>
+      </p:sp>
+      <p:sp>
+        <p:nvSpPr>
+          <p:cNvPr id="39" name="Прямоугольник 38"/>
+          <p:cNvSpPr/>
+          <p:nvPr/>
+        </p:nvSpPr>
+        <p:spPr>
+          <a:xfrm>
+            <a:off x="3049918" y="5037786"/>
+            <a:ext cx="2730132" cy="334214"/>
+          </a:xfrm>
+          <a:prstGeom prst="rect">
+            <a:avLst/>
+          </a:prstGeom>
+        </p:spPr>
+        <p:style>
+          <a:lnRef idx="1">
+            <a:schemeClr val="accent1"/>
+          </a:lnRef>
+          <a:fillRef idx="3">
+            <a:schemeClr val="accent1"/>
+          </a:fillRef>
+          <a:effectRef idx="2">
+            <a:schemeClr val="accent1"/>
+          </a:effectRef>
+          <a:fontRef idx="minor">
+            <a:schemeClr val="lt1"/>
+          </a:fontRef>
+        </p:style>
+        <p:txBody>
+          <a:bodyPr rtlCol="0" anchor="ctr"/>
+          <a:lstStyle/>
+          <a:p>
+            <a:pPr algn="ctr"/>
+            <a:r>
+              <a:rPr lang="en-US" dirty="0" smtClean="0"/>
+              <a:t>Speed=Code/(t0-time)</a:t>
+            </a:r>
+            <a:endParaRPr lang="ru-RU" dirty="0"/>
+          </a:p>
+        </p:txBody>
+      </p:sp>
+      <p:cxnSp>
+        <p:nvCxnSpPr>
+          <p:cNvPr id="40" name="Прямая со стрелкой 39"/>
+          <p:cNvCxnSpPr>
+            <a:endCxn id="39" idx="0"/>
+          </p:cNvCxnSpPr>
+          <p:nvPr/>
+        </p:nvCxnSpPr>
+        <p:spPr>
+          <a:xfrm>
+            <a:off x="4414984" y="4608733"/>
+            <a:ext cx="0" cy="429053"/>
+          </a:xfrm>
+          <a:prstGeom prst="straightConnector1">
+            <a:avLst/>
+          </a:prstGeom>
+          <a:ln>
+            <a:tailEnd type="arrow"/>
+          </a:ln>
+        </p:spPr>
+        <p:style>
+          <a:lnRef idx="2">
+            <a:schemeClr val="accent1"/>
+          </a:lnRef>
+          <a:fillRef idx="0">
+            <a:schemeClr val="accent1"/>
+          </a:fillRef>
+          <a:effectRef idx="1">
+            <a:schemeClr val="accent1"/>
+          </a:effectRef>
+          <a:fontRef idx="minor">
+            <a:schemeClr val="tx1"/>
+          </a:fontRef>
+        </p:style>
+      </p:cxnSp>
+      <p:cxnSp>
+        <p:nvCxnSpPr>
+          <p:cNvPr id="44" name="Прямая со стрелкой 43"/>
+          <p:cNvCxnSpPr/>
+          <p:nvPr/>
+        </p:nvCxnSpPr>
+        <p:spPr>
+          <a:xfrm>
+            <a:off x="2537684" y="4806596"/>
+            <a:ext cx="1833034" cy="0"/>
+          </a:xfrm>
+          <a:prstGeom prst="straightConnector1">
+            <a:avLst/>
+          </a:prstGeom>
+          <a:ln>
+            <a:tailEnd type="arrow"/>
+          </a:ln>
+        </p:spPr>
+        <p:style>
+          <a:lnRef idx="2">
+            <a:schemeClr val="accent1"/>
+          </a:lnRef>
+          <a:fillRef idx="0">
+            <a:schemeClr val="accent1"/>
+          </a:fillRef>
+          <a:effectRef idx="1">
+            <a:schemeClr val="accent1"/>
+          </a:effectRef>
+          <a:fontRef idx="minor">
+            <a:schemeClr val="tx1"/>
+          </a:fontRef>
+        </p:style>
+      </p:cxnSp>
+      <p:sp>
+        <p:nvSpPr>
+          <p:cNvPr id="46" name="Процесс 45"/>
+          <p:cNvSpPr/>
+          <p:nvPr/>
+        </p:nvSpPr>
+        <p:spPr>
+          <a:xfrm>
+            <a:off x="3049918" y="5690038"/>
+            <a:ext cx="2747922" cy="1028160"/>
+          </a:xfrm>
+          <a:prstGeom prst="flowChartProcess">
+            <a:avLst/>
+          </a:prstGeom>
+        </p:spPr>
+        <p:style>
+          <a:lnRef idx="1">
+            <a:schemeClr val="accent1"/>
+          </a:lnRef>
+          <a:fillRef idx="3">
+            <a:schemeClr val="accent1"/>
+          </a:fillRef>
+          <a:effectRef idx="2">
+            <a:schemeClr val="accent1"/>
+          </a:effectRef>
+          <a:fontRef idx="minor">
+            <a:schemeClr val="lt1"/>
+          </a:fontRef>
+        </p:style>
+        <p:txBody>
+          <a:bodyPr rtlCol="0" anchor="ctr"/>
+          <a:lstStyle/>
+          <a:p>
+            <a:pPr algn="ctr"/>
+            <a:r>
+              <a:rPr lang="ru-RU" dirty="0" smtClean="0"/>
+              <a:t>Графики:</a:t>
+            </a:r>
+          </a:p>
+          <a:p>
+            <a:pPr algn="ctr"/>
+            <a:r>
+              <a:rPr lang="en-US" dirty="0" smtClean="0"/>
+              <a:t>K[</a:t>
+            </a:r>
+            <a:r>
+              <a:rPr lang="en-US" dirty="0" err="1" smtClean="0"/>
+              <a:t>adc</a:t>
+            </a:r>
+            <a:r>
+              <a:rPr lang="en-US" dirty="0"/>
+              <a:t>(</a:t>
+            </a:r>
+            <a:r>
+              <a:rPr lang="en-US" dirty="0" smtClean="0"/>
+              <a:t>1..4)]*ADC(1..4),</a:t>
+            </a:r>
+          </a:p>
+          <a:p>
+            <a:pPr algn="ctr"/>
+            <a:r>
+              <a:rPr lang="en-US" dirty="0" smtClean="0"/>
+              <a:t>K[speed]*speed,</a:t>
+            </a:r>
+          </a:p>
+          <a:p>
+            <a:pPr algn="ctr"/>
+            <a:r>
+              <a:rPr lang="en-US" dirty="0" smtClean="0"/>
+              <a:t>Code.</a:t>
+            </a:r>
+            <a:endParaRPr lang="ru-RU" dirty="0"/>
+          </a:p>
+        </p:txBody>
+      </p:sp>
+      <p:cxnSp>
+        <p:nvCxnSpPr>
+          <p:cNvPr id="47" name="Прямая со стрелкой 46"/>
+          <p:cNvCxnSpPr>
+            <a:endCxn id="46" idx="0"/>
+          </p:cNvCxnSpPr>
+          <p:nvPr/>
+        </p:nvCxnSpPr>
+        <p:spPr>
+          <a:xfrm>
+            <a:off x="4414984" y="5372000"/>
+            <a:ext cx="8895" cy="318038"/>
+          </a:xfrm>
+          <a:prstGeom prst="straightConnector1">
+            <a:avLst/>
+          </a:prstGeom>
+          <a:ln>
+            <a:tailEnd type="arrow"/>
+          </a:ln>
+        </p:spPr>
+        <p:style>
+          <a:lnRef idx="2">
+            <a:schemeClr val="accent1"/>
+          </a:lnRef>
+          <a:fillRef idx="0">
+            <a:schemeClr val="accent1"/>
+          </a:fillRef>
+          <a:effectRef idx="1">
+            <a:schemeClr val="accent1"/>
+          </a:effectRef>
+          <a:fontRef idx="minor">
+            <a:schemeClr val="tx1"/>
+          </a:fontRef>
+        </p:style>
+      </p:cxnSp>
+      <p:sp>
+        <p:nvSpPr>
+          <p:cNvPr id="49" name="Прямоугольник 48"/>
+          <p:cNvSpPr/>
+          <p:nvPr/>
+        </p:nvSpPr>
+        <p:spPr>
+          <a:xfrm>
+            <a:off x="6448307" y="4053442"/>
+            <a:ext cx="1365066" cy="389313"/>
+          </a:xfrm>
+          <a:prstGeom prst="rect">
+            <a:avLst/>
+          </a:prstGeom>
+        </p:spPr>
+        <p:style>
+          <a:lnRef idx="1">
+            <a:schemeClr val="accent1"/>
+          </a:lnRef>
+          <a:fillRef idx="3">
+            <a:schemeClr val="accent1"/>
+          </a:fillRef>
+          <a:effectRef idx="2">
+            <a:schemeClr val="accent1"/>
+          </a:effectRef>
+          <a:fontRef idx="minor">
+            <a:schemeClr val="lt1"/>
+          </a:fontRef>
+        </p:style>
+        <p:txBody>
+          <a:bodyPr rtlCol="0" anchor="ctr"/>
+          <a:lstStyle/>
+          <a:p>
+            <a:pPr algn="ctr"/>
+            <a:r>
+              <a:rPr lang="en-US" dirty="0"/>
+              <a:t>t</a:t>
+            </a:r>
+            <a:r>
+              <a:rPr lang="en-US" dirty="0" smtClean="0"/>
+              <a:t>0=time</a:t>
+            </a:r>
+            <a:endParaRPr lang="ru-RU" dirty="0"/>
+          </a:p>
+        </p:txBody>
+      </p:sp>
+      <p:cxnSp>
+        <p:nvCxnSpPr>
+          <p:cNvPr id="51" name="Прямая со стрелкой 50"/>
+          <p:cNvCxnSpPr/>
+          <p:nvPr/>
+        </p:nvCxnSpPr>
+        <p:spPr>
+          <a:xfrm flipH="1">
+            <a:off x="5179284" y="2320438"/>
+            <a:ext cx="1951556" cy="0"/>
+          </a:xfrm>
+          <a:prstGeom prst="straightConnector1">
+            <a:avLst/>
+          </a:prstGeom>
+          <a:ln>
+            <a:tailEnd type="arrow"/>
+          </a:ln>
+        </p:spPr>
+        <p:style>
+          <a:lnRef idx="2">
+            <a:schemeClr val="accent1"/>
+          </a:lnRef>
+          <a:fillRef idx="0">
+            <a:schemeClr val="accent1"/>
+          </a:fillRef>
+          <a:effectRef idx="1">
+            <a:schemeClr val="accent1"/>
+          </a:effectRef>
+          <a:fontRef idx="minor">
+            <a:schemeClr val="tx1"/>
+          </a:fontRef>
+        </p:style>
+      </p:cxnSp>
+      <p:cxnSp>
+        <p:nvCxnSpPr>
+          <p:cNvPr id="56" name="Прямая со стрелкой 55"/>
+          <p:cNvCxnSpPr/>
+          <p:nvPr/>
+        </p:nvCxnSpPr>
+        <p:spPr>
+          <a:xfrm flipV="1">
+            <a:off x="7130840" y="4470494"/>
+            <a:ext cx="0" cy="1737944"/>
+          </a:xfrm>
+          <a:prstGeom prst="straightConnector1">
+            <a:avLst/>
+          </a:prstGeom>
+          <a:ln>
+            <a:tailEnd type="arrow"/>
+          </a:ln>
+        </p:spPr>
+        <p:style>
+          <a:lnRef idx="2">
+            <a:schemeClr val="accent1"/>
+          </a:lnRef>
+          <a:fillRef idx="0">
+            <a:schemeClr val="accent1"/>
+          </a:fillRef>
+          <a:effectRef idx="1">
+            <a:schemeClr val="accent1"/>
+          </a:effectRef>
+          <a:fontRef idx="minor">
+            <a:schemeClr val="tx1"/>
+          </a:fontRef>
+        </p:style>
+      </p:cxnSp>
+      <p:cxnSp>
+        <p:nvCxnSpPr>
+          <p:cNvPr id="62" name="Прямая соединительная линия 61"/>
+          <p:cNvCxnSpPr/>
+          <p:nvPr/>
+        </p:nvCxnSpPr>
+        <p:spPr>
+          <a:xfrm>
+            <a:off x="7130840" y="2320438"/>
+            <a:ext cx="0" cy="1733004"/>
+          </a:xfrm>
+          <a:prstGeom prst="line">
+            <a:avLst/>
+          </a:prstGeom>
+        </p:spPr>
+        <p:style>
+          <a:lnRef idx="2">
+            <a:schemeClr val="accent1"/>
+          </a:lnRef>
+          <a:fillRef idx="0">
+            <a:schemeClr val="accent1"/>
+          </a:fillRef>
+          <a:effectRef idx="1">
+            <a:schemeClr val="accent1"/>
+          </a:effectRef>
+          <a:fontRef idx="minor">
+            <a:schemeClr val="tx1"/>
+          </a:fontRef>
+        </p:style>
+      </p:cxnSp>
+      <p:cxnSp>
+        <p:nvCxnSpPr>
+          <p:cNvPr id="63" name="Прямая соединительная линия 62"/>
+          <p:cNvCxnSpPr/>
+          <p:nvPr/>
+        </p:nvCxnSpPr>
+        <p:spPr>
+          <a:xfrm flipH="1">
+            <a:off x="5797840" y="6208438"/>
+            <a:ext cx="1333000" cy="0"/>
+          </a:xfrm>
+          <a:prstGeom prst="line">
+            <a:avLst/>
+          </a:prstGeom>
+        </p:spPr>
+        <p:style>
+          <a:lnRef idx="2">
+            <a:schemeClr val="accent1"/>
+          </a:lnRef>
+          <a:fillRef idx="0">
+            <a:schemeClr val="accent1"/>
+          </a:fillRef>
+          <a:effectRef idx="1">
+            <a:schemeClr val="accent1"/>
+          </a:effectRef>
+          <a:fontRef idx="minor">
+            <a:schemeClr val="tx1"/>
+          </a:fontRef>
+        </p:style>
+      </p:cxnSp>
     </p:spTree>
     <p:extLst>
       <p:ext uri="{BB962C8B-B14F-4D97-AF65-F5344CB8AC3E}">
@@ -5086,7 +8079,7 @@
           <a:graphicData uri="http://schemas.openxmlformats.org/presentationml/2006/ole">
             <mc:AlternateContent xmlns:mc="http://schemas.openxmlformats.org/markup-compatibility/2006">
               <mc:Choice xmlns:v="urn:schemas-microsoft-com:vml" Requires="v">
-                <p:oleObj spid="_x0000_s3080" name="Документ" r:id="rId3" imgW="9398000" imgH="3924300" progId="Word.Document.12">
+                <p:oleObj spid="_x0000_s3098" name="Документ" r:id="rId3" imgW="9398000" imgH="3924300" progId="Word.Document.12">
                   <p:embed/>
                 </p:oleObj>
               </mc:Choice>
